--- a/04 Data Transfers/Data Transfers - Part 2.pptx
+++ b/04 Data Transfers/Data Transfers - Part 2.pptx
@@ -5,18 +5,21 @@
     <p:sldMasterId id="2147483922" r:id="rId1"/>
   </p:sldMasterIdLst>
   <p:notesMasterIdLst>
-    <p:notesMasterId r:id="rId11"/>
+    <p:notesMasterId r:id="rId14"/>
   </p:notesMasterIdLst>
   <p:sldIdLst>
     <p:sldId id="257" r:id="rId2"/>
     <p:sldId id="262" r:id="rId3"/>
-    <p:sldId id="295" r:id="rId4"/>
-    <p:sldId id="296" r:id="rId5"/>
-    <p:sldId id="297" r:id="rId6"/>
-    <p:sldId id="298" r:id="rId7"/>
-    <p:sldId id="299" r:id="rId8"/>
-    <p:sldId id="278" r:id="rId9"/>
-    <p:sldId id="294" r:id="rId10"/>
+    <p:sldId id="300" r:id="rId4"/>
+    <p:sldId id="304" r:id="rId5"/>
+    <p:sldId id="303" r:id="rId6"/>
+    <p:sldId id="305" r:id="rId7"/>
+    <p:sldId id="306" r:id="rId8"/>
+    <p:sldId id="302" r:id="rId9"/>
+    <p:sldId id="301" r:id="rId10"/>
+    <p:sldId id="307" r:id="rId11"/>
+    <p:sldId id="308" r:id="rId12"/>
+    <p:sldId id="294" r:id="rId13"/>
   </p:sldIdLst>
   <p:sldSz cx="12192000" cy="6858000"/>
   <p:notesSz cx="6858000" cy="9144000"/>
@@ -4302,6 +4305,728 @@
 </p:sld>
 </file>
 
+<file path=ppt/slides/slide10.xml><?xml version="1.0" encoding="utf-8"?>
+<p:sld xmlns:a="http://schemas.openxmlformats.org/drawingml/2006/main" xmlns:r="http://schemas.openxmlformats.org/officeDocument/2006/relationships" xmlns:p="http://schemas.openxmlformats.org/presentationml/2006/main">
+  <p:cSld>
+    <p:spTree>
+      <p:nvGrpSpPr>
+        <p:cNvPr id="1" name=""/>
+        <p:cNvGrpSpPr/>
+        <p:nvPr/>
+      </p:nvGrpSpPr>
+      <p:grpSpPr>
+        <a:xfrm>
+          <a:off x="0" y="0"/>
+          <a:ext cx="0" cy="0"/>
+          <a:chOff x="0" y="0"/>
+          <a:chExt cx="0" cy="0"/>
+        </a:xfrm>
+      </p:grpSpPr>
+      <p:sp>
+        <p:nvSpPr>
+          <p:cNvPr id="2" name="Title 1">
+            <a:extLst>
+              <a:ext uri="{FF2B5EF4-FFF2-40B4-BE49-F238E27FC236}">
+                <a16:creationId xmlns:a16="http://schemas.microsoft.com/office/drawing/2014/main" id="{C6466A7A-BAA9-4922-81DF-E958EDBA80CF}"/>
+              </a:ext>
+            </a:extLst>
+          </p:cNvPr>
+          <p:cNvSpPr>
+            <a:spLocks noGrp="1"/>
+          </p:cNvSpPr>
+          <p:nvPr>
+            <p:ph type="ctrTitle" idx="4294967295"/>
+          </p:nvPr>
+        </p:nvSpPr>
+        <p:spPr>
+          <a:xfrm>
+            <a:off x="1915317" y="232154"/>
+            <a:ext cx="8361363" cy="552450"/>
+          </a:xfrm>
+        </p:spPr>
+        <p:txBody>
+          <a:bodyPr>
+            <a:normAutofit fontScale="90000"/>
+          </a:bodyPr>
+          <a:lstStyle/>
+          <a:p>
+            <a:pPr algn="ctr"/>
+            <a:r>
+              <a:rPr lang="en-US" sz="4400" dirty="0"/>
+              <a:t>ARRAYS</a:t>
+            </a:r>
+          </a:p>
+        </p:txBody>
+      </p:sp>
+      <p:sp>
+        <p:nvSpPr>
+          <p:cNvPr id="3" name="Subtitle 2">
+            <a:extLst>
+              <a:ext uri="{FF2B5EF4-FFF2-40B4-BE49-F238E27FC236}">
+                <a16:creationId xmlns:a16="http://schemas.microsoft.com/office/drawing/2014/main" id="{E536BDF3-8BC3-4705-A0E0-23EED5878F87}"/>
+              </a:ext>
+            </a:extLst>
+          </p:cNvPr>
+          <p:cNvSpPr>
+            <a:spLocks noGrp="1"/>
+          </p:cNvSpPr>
+          <p:nvPr>
+            <p:ph type="subTitle" idx="4294967295"/>
+          </p:nvPr>
+        </p:nvSpPr>
+        <p:spPr>
+          <a:xfrm>
+            <a:off x="1109662" y="1326356"/>
+            <a:ext cx="9972675" cy="4205287"/>
+          </a:xfrm>
+        </p:spPr>
+        <p:txBody>
+          <a:bodyPr>
+            <a:normAutofit/>
+          </a:bodyPr>
+          <a:lstStyle/>
+          <a:p>
+            <a:pPr marL="749808" lvl="1" indent="-457200">
+              <a:buFont typeface="Arial" panose="020B0604020202020204" pitchFamily="34" charset="0"/>
+              <a:buChar char="•"/>
+            </a:pPr>
+            <a:r>
+              <a:rPr lang="en-US" sz="1400" b="1" dirty="0">
+                <a:latin typeface="Tahoma" panose="020B0604030504040204" pitchFamily="34" charset="0"/>
+                <a:ea typeface="Tahoma" panose="020B0604030504040204" pitchFamily="34" charset="0"/>
+                <a:cs typeface="Tahoma" panose="020B0604030504040204" pitchFamily="34" charset="0"/>
+              </a:rPr>
+              <a:t>ARRAYS</a:t>
+            </a:r>
+            <a:r>
+              <a:rPr lang="en-US" sz="1400" dirty="0">
+                <a:latin typeface="Tahoma" panose="020B0604030504040204" pitchFamily="34" charset="0"/>
+                <a:ea typeface="Tahoma" panose="020B0604030504040204" pitchFamily="34" charset="0"/>
+                <a:cs typeface="Tahoma" panose="020B0604030504040204" pitchFamily="34" charset="0"/>
+              </a:rPr>
+              <a:t> ARE CONTIGUOUS MEMORY LOCATIONS</a:t>
+            </a:r>
+          </a:p>
+          <a:p>
+            <a:pPr marL="749808" lvl="1" indent="-457200">
+              <a:buFont typeface="Arial" panose="020B0604020202020204" pitchFamily="34" charset="0"/>
+              <a:buChar char="•"/>
+            </a:pPr>
+            <a:r>
+              <a:rPr lang="en-US" sz="1400" dirty="0">
+                <a:latin typeface="Tahoma" panose="020B0604030504040204" pitchFamily="34" charset="0"/>
+                <a:ea typeface="Tahoma" panose="020B0604030504040204" pitchFamily="34" charset="0"/>
+                <a:cs typeface="Tahoma" panose="020B0604030504040204" pitchFamily="34" charset="0"/>
+              </a:rPr>
+              <a:t>USING ESI FOR ACCESSING ELEMENTS OF AN ARRAY</a:t>
+            </a:r>
+            <a:r>
+              <a:rPr lang="en-US" sz="1400" dirty="0">
+                <a:solidFill>
+                  <a:srgbClr val="0070C0"/>
+                </a:solidFill>
+                <a:latin typeface="Tahoma" panose="020B0604030504040204" pitchFamily="34" charset="0"/>
+                <a:ea typeface="Tahoma" panose="020B0604030504040204" pitchFamily="34" charset="0"/>
+                <a:cs typeface="Tahoma" panose="020B0604030504040204" pitchFamily="34" charset="0"/>
+              </a:rPr>
+              <a:t>, DEREFERENCING WITH []</a:t>
+            </a:r>
+          </a:p>
+          <a:p>
+            <a:pPr marL="932688" lvl="2" indent="-457200">
+              <a:buFont typeface="Arial" panose="020B0604020202020204" pitchFamily="34" charset="0"/>
+              <a:buChar char="•"/>
+            </a:pPr>
+            <a:r>
+              <a:rPr lang="en-US" dirty="0">
+                <a:latin typeface="Tahoma" panose="020B0604030504040204" pitchFamily="34" charset="0"/>
+                <a:ea typeface="Tahoma" panose="020B0604030504040204" pitchFamily="34" charset="0"/>
+                <a:cs typeface="Tahoma" panose="020B0604030504040204" pitchFamily="34" charset="0"/>
+              </a:rPr>
+              <a:t>MYARR DWORD 10, 20, 30</a:t>
+            </a:r>
+          </a:p>
+          <a:p>
+            <a:pPr marL="932688" lvl="2" indent="-457200">
+              <a:buFont typeface="Arial" panose="020B0604020202020204" pitchFamily="34" charset="0"/>
+              <a:buChar char="•"/>
+            </a:pPr>
+            <a:r>
+              <a:rPr lang="en-US" dirty="0">
+                <a:latin typeface="Tahoma" panose="020B0604030504040204" pitchFamily="34" charset="0"/>
+                <a:ea typeface="Tahoma" panose="020B0604030504040204" pitchFamily="34" charset="0"/>
+                <a:cs typeface="Tahoma" panose="020B0604030504040204" pitchFamily="34" charset="0"/>
+              </a:rPr>
+              <a:t>MOV ESI, OFFSET MYARR</a:t>
+            </a:r>
+          </a:p>
+          <a:p>
+            <a:pPr marL="932688" lvl="2" indent="-457200">
+              <a:buFont typeface="Arial" panose="020B0604020202020204" pitchFamily="34" charset="0"/>
+              <a:buChar char="•"/>
+            </a:pPr>
+            <a:r>
+              <a:rPr lang="en-US" dirty="0">
+                <a:latin typeface="Tahoma" panose="020B0604030504040204" pitchFamily="34" charset="0"/>
+                <a:ea typeface="Tahoma" panose="020B0604030504040204" pitchFamily="34" charset="0"/>
+                <a:cs typeface="Tahoma" panose="020B0604030504040204" pitchFamily="34" charset="0"/>
+              </a:rPr>
+              <a:t>MOV EAX, </a:t>
+            </a:r>
+            <a:r>
+              <a:rPr lang="en-US" dirty="0">
+                <a:solidFill>
+                  <a:srgbClr val="0070C0"/>
+                </a:solidFill>
+                <a:latin typeface="Tahoma" panose="020B0604030504040204" pitchFamily="34" charset="0"/>
+                <a:ea typeface="Tahoma" panose="020B0604030504040204" pitchFamily="34" charset="0"/>
+                <a:cs typeface="Tahoma" panose="020B0604030504040204" pitchFamily="34" charset="0"/>
+              </a:rPr>
+              <a:t>[ESI]</a:t>
+            </a:r>
+            <a:r>
+              <a:rPr lang="en-US" dirty="0">
+                <a:latin typeface="Tahoma" panose="020B0604030504040204" pitchFamily="34" charset="0"/>
+                <a:ea typeface="Tahoma" panose="020B0604030504040204" pitchFamily="34" charset="0"/>
+                <a:cs typeface="Tahoma" panose="020B0604030504040204" pitchFamily="34" charset="0"/>
+              </a:rPr>
+              <a:t>		//[ESI] DEREFERENCING ADDRESS STORED IN ESI, EAX = 10</a:t>
+            </a:r>
+          </a:p>
+          <a:p>
+            <a:pPr marL="932688" lvl="2" indent="-457200">
+              <a:buFont typeface="Arial" panose="020B0604020202020204" pitchFamily="34" charset="0"/>
+              <a:buChar char="•"/>
+            </a:pPr>
+            <a:r>
+              <a:rPr lang="en-US" dirty="0">
+                <a:latin typeface="Tahoma" panose="020B0604030504040204" pitchFamily="34" charset="0"/>
+                <a:ea typeface="Tahoma" panose="020B0604030504040204" pitchFamily="34" charset="0"/>
+                <a:cs typeface="Tahoma" panose="020B0604030504040204" pitchFamily="34" charset="0"/>
+              </a:rPr>
+              <a:t>MOV EAX, </a:t>
+            </a:r>
+            <a:r>
+              <a:rPr lang="en-US" dirty="0">
+                <a:solidFill>
+                  <a:srgbClr val="0070C0"/>
+                </a:solidFill>
+                <a:latin typeface="Tahoma" panose="020B0604030504040204" pitchFamily="34" charset="0"/>
+                <a:ea typeface="Tahoma" panose="020B0604030504040204" pitchFamily="34" charset="0"/>
+                <a:cs typeface="Tahoma" panose="020B0604030504040204" pitchFamily="34" charset="0"/>
+              </a:rPr>
+              <a:t>[ESI+4]</a:t>
+            </a:r>
+            <a:r>
+              <a:rPr lang="en-US" dirty="0">
+                <a:latin typeface="Tahoma" panose="020B0604030504040204" pitchFamily="34" charset="0"/>
+                <a:ea typeface="Tahoma" panose="020B0604030504040204" pitchFamily="34" charset="0"/>
+                <a:cs typeface="Tahoma" panose="020B0604030504040204" pitchFamily="34" charset="0"/>
+              </a:rPr>
+              <a:t>		//DWORD IS 4-BYTES EAX = 20</a:t>
+            </a:r>
+          </a:p>
+          <a:p>
+            <a:pPr marL="932688" lvl="2" indent="-457200">
+              <a:buFont typeface="Arial" panose="020B0604020202020204" pitchFamily="34" charset="0"/>
+              <a:buChar char="•"/>
+            </a:pPr>
+            <a:r>
+              <a:rPr lang="en-US" dirty="0">
+                <a:latin typeface="Tahoma" panose="020B0604030504040204" pitchFamily="34" charset="0"/>
+                <a:ea typeface="Tahoma" panose="020B0604030504040204" pitchFamily="34" charset="0"/>
+                <a:cs typeface="Tahoma" panose="020B0604030504040204" pitchFamily="34" charset="0"/>
+              </a:rPr>
+              <a:t>MOV EAX, </a:t>
+            </a:r>
+            <a:r>
+              <a:rPr lang="en-US" dirty="0">
+                <a:solidFill>
+                  <a:srgbClr val="0070C0"/>
+                </a:solidFill>
+                <a:latin typeface="Tahoma" panose="020B0604030504040204" pitchFamily="34" charset="0"/>
+                <a:ea typeface="Tahoma" panose="020B0604030504040204" pitchFamily="34" charset="0"/>
+                <a:cs typeface="Tahoma" panose="020B0604030504040204" pitchFamily="34" charset="0"/>
+              </a:rPr>
+              <a:t>[ESI+8]</a:t>
+            </a:r>
+            <a:r>
+              <a:rPr lang="en-US" dirty="0">
+                <a:latin typeface="Tahoma" panose="020B0604030504040204" pitchFamily="34" charset="0"/>
+                <a:ea typeface="Tahoma" panose="020B0604030504040204" pitchFamily="34" charset="0"/>
+                <a:cs typeface="Tahoma" panose="020B0604030504040204" pitchFamily="34" charset="0"/>
+              </a:rPr>
+              <a:t>		//EAX=30</a:t>
+            </a:r>
+          </a:p>
+          <a:p>
+            <a:pPr marL="457200" indent="-457200" algn="l">
+              <a:buFont typeface="Arial" panose="020B0604020202020204" pitchFamily="34" charset="0"/>
+              <a:buChar char="•"/>
+            </a:pPr>
+            <a:endParaRPr lang="en-US" sz="1400" dirty="0">
+              <a:solidFill>
+                <a:schemeClr val="tx2"/>
+              </a:solidFill>
+              <a:latin typeface="Tahoma" panose="020B0604030504040204" pitchFamily="34" charset="0"/>
+              <a:ea typeface="Tahoma" panose="020B0604030504040204" pitchFamily="34" charset="0"/>
+              <a:cs typeface="Tahoma" panose="020B0604030504040204" pitchFamily="34" charset="0"/>
+            </a:endParaRPr>
+          </a:p>
+          <a:p>
+            <a:pPr algn="l"/>
+            <a:endParaRPr lang="en-US" sz="1400" dirty="0">
+              <a:solidFill>
+                <a:schemeClr val="tx2"/>
+              </a:solidFill>
+              <a:latin typeface="Tahoma" panose="020B0604030504040204" pitchFamily="34" charset="0"/>
+              <a:ea typeface="Tahoma" panose="020B0604030504040204" pitchFamily="34" charset="0"/>
+              <a:cs typeface="Tahoma" panose="020B0604030504040204" pitchFamily="34" charset="0"/>
+            </a:endParaRPr>
+          </a:p>
+        </p:txBody>
+      </p:sp>
+    </p:spTree>
+    <p:extLst>
+      <p:ext uri="{BB962C8B-B14F-4D97-AF65-F5344CB8AC3E}">
+        <p14:creationId xmlns:p14="http://schemas.microsoft.com/office/powerpoint/2010/main" val="2909785935"/>
+      </p:ext>
+    </p:extLst>
+  </p:cSld>
+  <p:clrMapOvr>
+    <a:masterClrMapping/>
+  </p:clrMapOvr>
+  <mc:AlternateContent xmlns:mc="http://schemas.openxmlformats.org/markup-compatibility/2006" xmlns:p14="http://schemas.microsoft.com/office/powerpoint/2010/main">
+    <mc:Choice Requires="p14">
+      <p:transition spd="slow" p14:dur="1250">
+        <p14:flip dir="r"/>
+      </p:transition>
+    </mc:Choice>
+    <mc:Fallback xmlns="">
+      <p:transition spd="slow">
+        <p:fade/>
+      </p:transition>
+    </mc:Fallback>
+  </mc:AlternateContent>
+</p:sld>
+</file>
+
+<file path=ppt/slides/slide11.xml><?xml version="1.0" encoding="utf-8"?>
+<p:sld xmlns:a="http://schemas.openxmlformats.org/drawingml/2006/main" xmlns:r="http://schemas.openxmlformats.org/officeDocument/2006/relationships" xmlns:p="http://schemas.openxmlformats.org/presentationml/2006/main">
+  <p:cSld>
+    <p:spTree>
+      <p:nvGrpSpPr>
+        <p:cNvPr id="1" name=""/>
+        <p:cNvGrpSpPr/>
+        <p:nvPr/>
+      </p:nvGrpSpPr>
+      <p:grpSpPr>
+        <a:xfrm>
+          <a:off x="0" y="0"/>
+          <a:ext cx="0" cy="0"/>
+          <a:chOff x="0" y="0"/>
+          <a:chExt cx="0" cy="0"/>
+        </a:xfrm>
+      </p:grpSpPr>
+      <p:sp>
+        <p:nvSpPr>
+          <p:cNvPr id="2" name="Title 1">
+            <a:extLst>
+              <a:ext uri="{FF2B5EF4-FFF2-40B4-BE49-F238E27FC236}">
+                <a16:creationId xmlns:a16="http://schemas.microsoft.com/office/drawing/2014/main" id="{C6466A7A-BAA9-4922-81DF-E958EDBA80CF}"/>
+              </a:ext>
+            </a:extLst>
+          </p:cNvPr>
+          <p:cNvSpPr>
+            <a:spLocks noGrp="1"/>
+          </p:cNvSpPr>
+          <p:nvPr>
+            <p:ph type="ctrTitle" idx="4294967295"/>
+          </p:nvPr>
+        </p:nvSpPr>
+        <p:spPr>
+          <a:xfrm>
+            <a:off x="1915317" y="232154"/>
+            <a:ext cx="8361363" cy="552450"/>
+          </a:xfrm>
+        </p:spPr>
+        <p:txBody>
+          <a:bodyPr>
+            <a:normAutofit fontScale="90000"/>
+          </a:bodyPr>
+          <a:lstStyle/>
+          <a:p>
+            <a:pPr algn="ctr"/>
+            <a:r>
+              <a:rPr lang="en-US" sz="4400" dirty="0"/>
+              <a:t>TYPEDEF</a:t>
+            </a:r>
+          </a:p>
+        </p:txBody>
+      </p:sp>
+      <p:sp>
+        <p:nvSpPr>
+          <p:cNvPr id="3" name="Subtitle 2">
+            <a:extLst>
+              <a:ext uri="{FF2B5EF4-FFF2-40B4-BE49-F238E27FC236}">
+                <a16:creationId xmlns:a16="http://schemas.microsoft.com/office/drawing/2014/main" id="{E536BDF3-8BC3-4705-A0E0-23EED5878F87}"/>
+              </a:ext>
+            </a:extLst>
+          </p:cNvPr>
+          <p:cNvSpPr>
+            <a:spLocks noGrp="1"/>
+          </p:cNvSpPr>
+          <p:nvPr>
+            <p:ph type="subTitle" idx="4294967295"/>
+          </p:nvPr>
+        </p:nvSpPr>
+        <p:spPr>
+          <a:xfrm>
+            <a:off x="1109662" y="1326356"/>
+            <a:ext cx="9972675" cy="4205287"/>
+          </a:xfrm>
+        </p:spPr>
+        <p:txBody>
+          <a:bodyPr>
+            <a:normAutofit/>
+          </a:bodyPr>
+          <a:lstStyle/>
+          <a:p>
+            <a:pPr marL="749808" lvl="1" indent="-457200">
+              <a:buFont typeface="Arial" panose="020B0604020202020204" pitchFamily="34" charset="0"/>
+              <a:buChar char="•"/>
+            </a:pPr>
+            <a:r>
+              <a:rPr lang="en-US" sz="1400" b="1" dirty="0">
+                <a:latin typeface="Tahoma" panose="020B0604030504040204" pitchFamily="34" charset="0"/>
+                <a:ea typeface="Tahoma" panose="020B0604030504040204" pitchFamily="34" charset="0"/>
+                <a:cs typeface="Tahoma" panose="020B0604030504040204" pitchFamily="34" charset="0"/>
+              </a:rPr>
+              <a:t>TYPEDEF</a:t>
+            </a:r>
+            <a:r>
+              <a:rPr lang="en-US" sz="1400" dirty="0">
+                <a:latin typeface="Tahoma" panose="020B0604030504040204" pitchFamily="34" charset="0"/>
+                <a:ea typeface="Tahoma" panose="020B0604030504040204" pitchFamily="34" charset="0"/>
+                <a:cs typeface="Tahoma" panose="020B0604030504040204" pitchFamily="34" charset="0"/>
+              </a:rPr>
+              <a:t> ARE CREATING USER DEFINED TYPE</a:t>
+            </a:r>
+          </a:p>
+          <a:p>
+            <a:pPr marL="932688" lvl="2" indent="-457200">
+              <a:buFont typeface="Arial" panose="020B0604020202020204" pitchFamily="34" charset="0"/>
+              <a:buChar char="•"/>
+            </a:pPr>
+            <a:r>
+              <a:rPr lang="en-US" dirty="0">
+                <a:solidFill>
+                  <a:schemeClr val="tx2"/>
+                </a:solidFill>
+                <a:latin typeface="Tahoma" panose="020B0604030504040204" pitchFamily="34" charset="0"/>
+                <a:ea typeface="Tahoma" panose="020B0604030504040204" pitchFamily="34" charset="0"/>
+                <a:cs typeface="Tahoma" panose="020B0604030504040204" pitchFamily="34" charset="0"/>
+              </a:rPr>
+              <a:t>MYWAY TYPEDEF PTR DWORD</a:t>
+            </a:r>
+          </a:p>
+          <a:p>
+            <a:pPr marL="932688" lvl="2" indent="-457200">
+              <a:buFont typeface="Arial" panose="020B0604020202020204" pitchFamily="34" charset="0"/>
+              <a:buChar char="•"/>
+            </a:pPr>
+            <a:r>
+              <a:rPr lang="en-US" dirty="0">
+                <a:solidFill>
+                  <a:schemeClr val="tx2"/>
+                </a:solidFill>
+                <a:latin typeface="Tahoma" panose="020B0604030504040204" pitchFamily="34" charset="0"/>
+                <a:ea typeface="Tahoma" panose="020B0604030504040204" pitchFamily="34" charset="0"/>
+                <a:cs typeface="Tahoma" panose="020B0604030504040204" pitchFamily="34" charset="0"/>
+              </a:rPr>
+              <a:t>HIGHWAY </a:t>
+            </a:r>
+            <a:r>
+              <a:rPr lang="en-US" dirty="0">
+                <a:solidFill>
+                  <a:srgbClr val="0070C0"/>
+                </a:solidFill>
+                <a:latin typeface="Tahoma" panose="020B0604030504040204" pitchFamily="34" charset="0"/>
+                <a:ea typeface="Tahoma" panose="020B0604030504040204" pitchFamily="34" charset="0"/>
+                <a:cs typeface="Tahoma" panose="020B0604030504040204" pitchFamily="34" charset="0"/>
+              </a:rPr>
+              <a:t>MYWAY</a:t>
+            </a:r>
+            <a:r>
+              <a:rPr lang="en-US" dirty="0">
+                <a:solidFill>
+                  <a:schemeClr val="tx2"/>
+                </a:solidFill>
+                <a:latin typeface="Tahoma" panose="020B0604030504040204" pitchFamily="34" charset="0"/>
+                <a:ea typeface="Tahoma" panose="020B0604030504040204" pitchFamily="34" charset="0"/>
+                <a:cs typeface="Tahoma" panose="020B0604030504040204" pitchFamily="34" charset="0"/>
+              </a:rPr>
+              <a:t> 10	//</a:t>
+            </a:r>
+            <a:r>
+              <a:rPr lang="en-US" sz="1100" dirty="0">
+                <a:solidFill>
+                  <a:schemeClr val="tx2"/>
+                </a:solidFill>
+                <a:latin typeface="Tahoma" panose="020B0604030504040204" pitchFamily="34" charset="0"/>
+                <a:ea typeface="Tahoma" panose="020B0604030504040204" pitchFamily="34" charset="0"/>
+                <a:cs typeface="Tahoma" panose="020B0604030504040204" pitchFamily="34" charset="0"/>
+              </a:rPr>
+              <a:t>HIGHWAY IS OF MYWAY TYPE, MYWAY IS OF DWORD TYPE, HIGHWAY GETS TO BE DWORD TYPE, 4-BYTES</a:t>
+            </a:r>
+          </a:p>
+          <a:p>
+            <a:pPr marL="932688" lvl="2" indent="-457200">
+              <a:buFont typeface="Arial" panose="020B0604020202020204" pitchFamily="34" charset="0"/>
+              <a:buChar char="•"/>
+            </a:pPr>
+            <a:r>
+              <a:rPr lang="en-US" dirty="0">
+                <a:solidFill>
+                  <a:schemeClr val="tx2"/>
+                </a:solidFill>
+                <a:latin typeface="Tahoma" panose="020B0604030504040204" pitchFamily="34" charset="0"/>
+                <a:ea typeface="Tahoma" panose="020B0604030504040204" pitchFamily="34" charset="0"/>
+                <a:cs typeface="Tahoma" panose="020B0604030504040204" pitchFamily="34" charset="0"/>
+              </a:rPr>
+              <a:t>MOV EAX, HIGHWAY </a:t>
+            </a:r>
+          </a:p>
+          <a:p>
+            <a:pPr algn="l"/>
+            <a:endParaRPr lang="en-US" sz="1400" dirty="0">
+              <a:solidFill>
+                <a:schemeClr val="tx2"/>
+              </a:solidFill>
+              <a:latin typeface="Tahoma" panose="020B0604030504040204" pitchFamily="34" charset="0"/>
+              <a:ea typeface="Tahoma" panose="020B0604030504040204" pitchFamily="34" charset="0"/>
+              <a:cs typeface="Tahoma" panose="020B0604030504040204" pitchFamily="34" charset="0"/>
+            </a:endParaRPr>
+          </a:p>
+          <a:p>
+            <a:pPr algn="l"/>
+            <a:r>
+              <a:rPr lang="en-US" sz="1400" dirty="0">
+                <a:solidFill>
+                  <a:schemeClr val="tx2"/>
+                </a:solidFill>
+                <a:latin typeface="Tahoma" panose="020B0604030504040204" pitchFamily="34" charset="0"/>
+                <a:ea typeface="Tahoma" panose="020B0604030504040204" pitchFamily="34" charset="0"/>
+                <a:cs typeface="Tahoma" panose="020B0604030504040204" pitchFamily="34" charset="0"/>
+              </a:rPr>
+              <a:t>Note: I encourage the reader to figure out a more meaningful way to use typedef than above example. Look for Hungarian notation!</a:t>
+            </a:r>
+          </a:p>
+        </p:txBody>
+      </p:sp>
+      <p:pic>
+        <p:nvPicPr>
+          <p:cNvPr id="5" name="Picture 4">
+            <a:extLst>
+              <a:ext uri="{FF2B5EF4-FFF2-40B4-BE49-F238E27FC236}">
+                <a16:creationId xmlns:a16="http://schemas.microsoft.com/office/drawing/2014/main" id="{2E192F85-897C-416B-B5F1-A75E1E0B972A}"/>
+              </a:ext>
+            </a:extLst>
+          </p:cNvPr>
+          <p:cNvPicPr>
+            <a:picLocks noChangeAspect="1"/>
+          </p:cNvPicPr>
+          <p:nvPr/>
+        </p:nvPicPr>
+        <p:blipFill>
+          <a:blip r:embed="rId2">
+            <a:extLst>
+              <a:ext uri="{28A0092B-C50C-407E-A947-70E740481C1C}">
+                <a14:useLocalDpi xmlns:a14="http://schemas.microsoft.com/office/drawing/2010/main" val="0"/>
+              </a:ext>
+            </a:extLst>
+          </a:blip>
+          <a:stretch>
+            <a:fillRect/>
+          </a:stretch>
+        </p:blipFill>
+        <p:spPr>
+          <a:xfrm>
+            <a:off x="3800902" y="2157483"/>
+            <a:ext cx="304800" cy="304800"/>
+          </a:xfrm>
+          <a:prstGeom prst="rect">
+            <a:avLst/>
+          </a:prstGeom>
+        </p:spPr>
+      </p:pic>
+    </p:spTree>
+    <p:extLst>
+      <p:ext uri="{BB962C8B-B14F-4D97-AF65-F5344CB8AC3E}">
+        <p14:creationId xmlns:p14="http://schemas.microsoft.com/office/powerpoint/2010/main" val="267567220"/>
+      </p:ext>
+    </p:extLst>
+  </p:cSld>
+  <p:clrMapOvr>
+    <a:masterClrMapping/>
+  </p:clrMapOvr>
+  <mc:AlternateContent xmlns:mc="http://schemas.openxmlformats.org/markup-compatibility/2006" xmlns:p14="http://schemas.microsoft.com/office/powerpoint/2010/main">
+    <mc:Choice Requires="p14">
+      <p:transition spd="slow" p14:dur="1250">
+        <p14:flip dir="r"/>
+      </p:transition>
+    </mc:Choice>
+    <mc:Fallback xmlns="">
+      <p:transition spd="slow">
+        <p:fade/>
+      </p:transition>
+    </mc:Fallback>
+  </mc:AlternateContent>
+</p:sld>
+</file>
+
+<file path=ppt/slides/slide12.xml><?xml version="1.0" encoding="utf-8"?>
+<p:sld xmlns:a="http://schemas.openxmlformats.org/drawingml/2006/main" xmlns:r="http://schemas.openxmlformats.org/officeDocument/2006/relationships" xmlns:p="http://schemas.openxmlformats.org/presentationml/2006/main">
+  <p:cSld>
+    <p:spTree>
+      <p:nvGrpSpPr>
+        <p:cNvPr id="1" name=""/>
+        <p:cNvGrpSpPr/>
+        <p:nvPr/>
+      </p:nvGrpSpPr>
+      <p:grpSpPr>
+        <a:xfrm>
+          <a:off x="0" y="0"/>
+          <a:ext cx="0" cy="0"/>
+          <a:chOff x="0" y="0"/>
+          <a:chExt cx="0" cy="0"/>
+        </a:xfrm>
+      </p:grpSpPr>
+      <p:sp>
+        <p:nvSpPr>
+          <p:cNvPr id="2" name="Title 1">
+            <a:extLst>
+              <a:ext uri="{FF2B5EF4-FFF2-40B4-BE49-F238E27FC236}">
+                <a16:creationId xmlns:a16="http://schemas.microsoft.com/office/drawing/2014/main" id="{C6466A7A-BAA9-4922-81DF-E958EDBA80CF}"/>
+              </a:ext>
+            </a:extLst>
+          </p:cNvPr>
+          <p:cNvSpPr>
+            <a:spLocks noGrp="1"/>
+          </p:cNvSpPr>
+          <p:nvPr>
+            <p:ph type="ctrTitle" idx="4294967295"/>
+          </p:nvPr>
+        </p:nvSpPr>
+        <p:spPr>
+          <a:xfrm>
+            <a:off x="1150215" y="452531"/>
+            <a:ext cx="8361363" cy="552450"/>
+          </a:xfrm>
+        </p:spPr>
+        <p:txBody>
+          <a:bodyPr>
+            <a:normAutofit fontScale="90000"/>
+          </a:bodyPr>
+          <a:lstStyle/>
+          <a:p>
+            <a:r>
+              <a:rPr lang="en-US" sz="4400" dirty="0"/>
+              <a:t>DEMO</a:t>
+            </a:r>
+          </a:p>
+        </p:txBody>
+      </p:sp>
+      <p:sp>
+        <p:nvSpPr>
+          <p:cNvPr id="3" name="Subtitle 2">
+            <a:extLst>
+              <a:ext uri="{FF2B5EF4-FFF2-40B4-BE49-F238E27FC236}">
+                <a16:creationId xmlns:a16="http://schemas.microsoft.com/office/drawing/2014/main" id="{E536BDF3-8BC3-4705-A0E0-23EED5878F87}"/>
+              </a:ext>
+            </a:extLst>
+          </p:cNvPr>
+          <p:cNvSpPr>
+            <a:spLocks noGrp="1"/>
+          </p:cNvSpPr>
+          <p:nvPr>
+            <p:ph type="subTitle" idx="4294967295"/>
+          </p:nvPr>
+        </p:nvSpPr>
+        <p:spPr>
+          <a:xfrm>
+            <a:off x="1150300" y="1227138"/>
+            <a:ext cx="9972675" cy="4928002"/>
+          </a:xfrm>
+        </p:spPr>
+        <p:txBody>
+          <a:bodyPr>
+            <a:normAutofit/>
+          </a:bodyPr>
+          <a:lstStyle/>
+          <a:p>
+            <a:r>
+              <a:rPr lang="en-US" sz="1600" dirty="0">
+                <a:solidFill>
+                  <a:schemeClr val="tx2"/>
+                </a:solidFill>
+                <a:latin typeface="Tahoma" panose="020B0604030504040204" pitchFamily="34" charset="0"/>
+                <a:ea typeface="Tahoma" panose="020B0604030504040204" pitchFamily="34" charset="0"/>
+                <a:cs typeface="Tahoma" panose="020B0604030504040204" pitchFamily="34" charset="0"/>
+              </a:rPr>
+              <a:t>Even-odd</a:t>
+            </a:r>
+          </a:p>
+          <a:p>
+            <a:endParaRPr lang="en-US" sz="1600" dirty="0">
+              <a:solidFill>
+                <a:schemeClr val="tx2"/>
+              </a:solidFill>
+              <a:latin typeface="Tahoma" panose="020B0604030504040204" pitchFamily="34" charset="0"/>
+              <a:ea typeface="Tahoma" panose="020B0604030504040204" pitchFamily="34" charset="0"/>
+              <a:cs typeface="Tahoma" panose="020B0604030504040204" pitchFamily="34" charset="0"/>
+            </a:endParaRPr>
+          </a:p>
+          <a:p>
+            <a:r>
+              <a:rPr lang="en-US" sz="1600" dirty="0">
+                <a:solidFill>
+                  <a:schemeClr val="tx2"/>
+                </a:solidFill>
+                <a:latin typeface="Tahoma" panose="020B0604030504040204" pitchFamily="34" charset="0"/>
+                <a:ea typeface="Tahoma" panose="020B0604030504040204" pitchFamily="34" charset="0"/>
+                <a:cs typeface="Tahoma" panose="020B0604030504040204" pitchFamily="34" charset="0"/>
+              </a:rPr>
+              <a:t>https://github.com/shankar-ray/Assembly-Language-Tutorials-for-Windows/tree/master/03%20Assembly%20Language</a:t>
+            </a:r>
+          </a:p>
+        </p:txBody>
+      </p:sp>
+    </p:spTree>
+    <p:extLst>
+      <p:ext uri="{BB962C8B-B14F-4D97-AF65-F5344CB8AC3E}">
+        <p14:creationId xmlns:p14="http://schemas.microsoft.com/office/powerpoint/2010/main" val="865016956"/>
+      </p:ext>
+    </p:extLst>
+  </p:cSld>
+  <p:clrMapOvr>
+    <a:masterClrMapping/>
+  </p:clrMapOvr>
+  <mc:AlternateContent xmlns:mc="http://schemas.openxmlformats.org/markup-compatibility/2006" xmlns:p14="http://schemas.microsoft.com/office/powerpoint/2010/main">
+    <mc:Choice Requires="p14">
+      <p:transition spd="slow" p14:dur="1250">
+        <p14:flip dir="r"/>
+      </p:transition>
+    </mc:Choice>
+    <mc:Fallback xmlns="">
+      <p:transition spd="slow">
+        <p:fade/>
+      </p:transition>
+    </mc:Fallback>
+  </mc:AlternateContent>
+</p:sld>
+</file>
+
 <file path=ppt/slides/slide2.xml><?xml version="1.0" encoding="utf-8"?>
 <p:sld xmlns:a="http://schemas.openxmlformats.org/drawingml/2006/main" xmlns:r="http://schemas.openxmlformats.org/officeDocument/2006/relationships" xmlns:p="http://schemas.openxmlformats.org/presentationml/2006/main">
   <p:cSld>
@@ -4332,13 +5057,13 @@
             <a:spLocks noGrp="1"/>
           </p:cNvSpPr>
           <p:nvPr>
-            <p:ph type="ctrTitle"/>
+            <p:ph type="ctrTitle" idx="4294967295"/>
           </p:nvPr>
         </p:nvSpPr>
         <p:spPr>
           <a:xfrm>
-            <a:off x="1915128" y="409433"/>
-            <a:ext cx="8361229" cy="552468"/>
+            <a:off x="1915317" y="232154"/>
+            <a:ext cx="8361363" cy="552450"/>
           </a:xfrm>
         </p:spPr>
         <p:txBody>
@@ -4350,7 +5075,7 @@
             <a:pPr algn="ctr"/>
             <a:r>
               <a:rPr lang="en-US" sz="4400" dirty="0"/>
-              <a:t>DATA TRANSFER INSTRUCTION/S</a:t>
+              <a:t>INC, DEC, ADD, SUB AND NEG</a:t>
             </a:r>
           </a:p>
         </p:txBody>
@@ -4368,13 +5093,13 @@
             <a:spLocks noGrp="1"/>
           </p:cNvSpPr>
           <p:nvPr>
-            <p:ph type="subTitle" idx="1"/>
+            <p:ph type="subTitle" idx="4294967295"/>
           </p:nvPr>
         </p:nvSpPr>
         <p:spPr>
           <a:xfrm>
-            <a:off x="1150351" y="1227701"/>
-            <a:ext cx="9972574" cy="3124163"/>
+            <a:off x="1109662" y="1326356"/>
+            <a:ext cx="9972675" cy="4205287"/>
           </a:xfrm>
         </p:spPr>
         <p:txBody>
@@ -4393,131 +5118,120 @@
                 <a:ea typeface="Tahoma" panose="020B0604030504040204" pitchFamily="34" charset="0"/>
                 <a:cs typeface="Tahoma" panose="020B0604030504040204" pitchFamily="34" charset="0"/>
               </a:rPr>
-              <a:t>OPERAND TYPES</a:t>
-            </a:r>
-          </a:p>
-          <a:p>
-            <a:pPr marL="914400" lvl="1" indent="-457200" algn="l">
+              <a:t>INC AND DEC //ADD 1, SUBTRACT 1</a:t>
+            </a:r>
+          </a:p>
+          <a:p>
+            <a:pPr marL="914400" lvl="1" indent="-457200">
               <a:buFont typeface="Arial" panose="020B0604020202020204" pitchFamily="34" charset="0"/>
               <a:buChar char="•"/>
             </a:pPr>
             <a:r>
-              <a:rPr lang="en-US" sz="1400" dirty="0">
-                <a:latin typeface="Tahoma" panose="020B0604030504040204" pitchFamily="34" charset="0"/>
-                <a:ea typeface="Tahoma" panose="020B0604030504040204" pitchFamily="34" charset="0"/>
-                <a:cs typeface="Tahoma" panose="020B0604030504040204" pitchFamily="34" charset="0"/>
-              </a:rPr>
-              <a:t>mnemonic</a:t>
-            </a:r>
-          </a:p>
-          <a:p>
-            <a:pPr marL="914400" lvl="1" indent="-457200" algn="l">
+              <a:rPr lang="en-US" sz="1200" dirty="0">
+                <a:latin typeface="Tahoma" panose="020B0604030504040204" pitchFamily="34" charset="0"/>
+                <a:ea typeface="Tahoma" panose="020B0604030504040204" pitchFamily="34" charset="0"/>
+                <a:cs typeface="Tahoma" panose="020B0604030504040204" pitchFamily="34" charset="0"/>
+              </a:rPr>
+              <a:t>INC REGISTER</a:t>
+            </a:r>
+          </a:p>
+          <a:p>
+            <a:pPr marL="914400" lvl="1" indent="-457200">
               <a:buFont typeface="Arial" panose="020B0604020202020204" pitchFamily="34" charset="0"/>
               <a:buChar char="•"/>
             </a:pPr>
             <a:r>
-              <a:rPr lang="en-US" sz="1400" dirty="0">
-                <a:latin typeface="Tahoma" panose="020B0604030504040204" pitchFamily="34" charset="0"/>
-                <a:ea typeface="Tahoma" panose="020B0604030504040204" pitchFamily="34" charset="0"/>
-                <a:cs typeface="Tahoma" panose="020B0604030504040204" pitchFamily="34" charset="0"/>
-              </a:rPr>
-              <a:t>mnemonic [</a:t>
-            </a:r>
-            <a:r>
-              <a:rPr lang="en-US" sz="1400" dirty="0" err="1">
-                <a:latin typeface="Tahoma" panose="020B0604030504040204" pitchFamily="34" charset="0"/>
-                <a:ea typeface="Tahoma" panose="020B0604030504040204" pitchFamily="34" charset="0"/>
-                <a:cs typeface="Tahoma" panose="020B0604030504040204" pitchFamily="34" charset="0"/>
-              </a:rPr>
-              <a:t>dest</a:t>
-            </a:r>
-            <a:r>
-              <a:rPr lang="en-US" sz="1400" dirty="0">
-                <a:latin typeface="Tahoma" panose="020B0604030504040204" pitchFamily="34" charset="0"/>
-                <a:ea typeface="Tahoma" panose="020B0604030504040204" pitchFamily="34" charset="0"/>
-                <a:cs typeface="Tahoma" panose="020B0604030504040204" pitchFamily="34" charset="0"/>
-              </a:rPr>
-              <a:t>]</a:t>
-            </a:r>
-          </a:p>
-          <a:p>
-            <a:pPr marL="914400" lvl="1" indent="-457200" algn="l">
+              <a:rPr lang="en-US" sz="1200" dirty="0">
+                <a:latin typeface="Tahoma" panose="020B0604030504040204" pitchFamily="34" charset="0"/>
+                <a:ea typeface="Tahoma" panose="020B0604030504040204" pitchFamily="34" charset="0"/>
+                <a:cs typeface="Tahoma" panose="020B0604030504040204" pitchFamily="34" charset="0"/>
+              </a:rPr>
+              <a:t>INC MEMORY</a:t>
+            </a:r>
+          </a:p>
+          <a:p>
+            <a:pPr marL="914400" lvl="1" indent="-457200">
               <a:buFont typeface="Arial" panose="020B0604020202020204" pitchFamily="34" charset="0"/>
               <a:buChar char="•"/>
             </a:pPr>
             <a:r>
-              <a:rPr lang="en-US" sz="1400" dirty="0">
-                <a:latin typeface="Tahoma" panose="020B0604030504040204" pitchFamily="34" charset="0"/>
-                <a:ea typeface="Tahoma" panose="020B0604030504040204" pitchFamily="34" charset="0"/>
-                <a:cs typeface="Tahoma" panose="020B0604030504040204" pitchFamily="34" charset="0"/>
-              </a:rPr>
-              <a:t>mnemonic [</a:t>
-            </a:r>
-            <a:r>
-              <a:rPr lang="en-US" sz="1400" dirty="0" err="1">
-                <a:latin typeface="Tahoma" panose="020B0604030504040204" pitchFamily="34" charset="0"/>
-                <a:ea typeface="Tahoma" panose="020B0604030504040204" pitchFamily="34" charset="0"/>
-                <a:cs typeface="Tahoma" panose="020B0604030504040204" pitchFamily="34" charset="0"/>
-              </a:rPr>
-              <a:t>dest</a:t>
-            </a:r>
-            <a:r>
-              <a:rPr lang="en-US" sz="1400" dirty="0">
-                <a:latin typeface="Tahoma" panose="020B0604030504040204" pitchFamily="34" charset="0"/>
-                <a:ea typeface="Tahoma" panose="020B0604030504040204" pitchFamily="34" charset="0"/>
-                <a:cs typeface="Tahoma" panose="020B0604030504040204" pitchFamily="34" charset="0"/>
-              </a:rPr>
-              <a:t>], [</a:t>
-            </a:r>
-            <a:r>
-              <a:rPr lang="en-US" sz="1400" dirty="0" err="1">
-                <a:latin typeface="Tahoma" panose="020B0604030504040204" pitchFamily="34" charset="0"/>
-                <a:ea typeface="Tahoma" panose="020B0604030504040204" pitchFamily="34" charset="0"/>
-                <a:cs typeface="Tahoma" panose="020B0604030504040204" pitchFamily="34" charset="0"/>
-              </a:rPr>
-              <a:t>src</a:t>
-            </a:r>
-            <a:r>
-              <a:rPr lang="en-US" sz="1400" dirty="0">
-                <a:latin typeface="Tahoma" panose="020B0604030504040204" pitchFamily="34" charset="0"/>
-                <a:ea typeface="Tahoma" panose="020B0604030504040204" pitchFamily="34" charset="0"/>
-                <a:cs typeface="Tahoma" panose="020B0604030504040204" pitchFamily="34" charset="0"/>
-              </a:rPr>
-              <a:t>]</a:t>
-            </a:r>
-          </a:p>
-          <a:p>
-            <a:pPr marL="914400" lvl="1" indent="-457200" algn="l">
+              <a:rPr lang="en-US" sz="1200" dirty="0">
+                <a:latin typeface="Tahoma" panose="020B0604030504040204" pitchFamily="34" charset="0"/>
+                <a:ea typeface="Tahoma" panose="020B0604030504040204" pitchFamily="34" charset="0"/>
+                <a:cs typeface="Tahoma" panose="020B0604030504040204" pitchFamily="34" charset="0"/>
+              </a:rPr>
+              <a:t>DEC REGISTER</a:t>
+            </a:r>
+          </a:p>
+          <a:p>
+            <a:pPr marL="914400" lvl="1" indent="-457200">
               <a:buFont typeface="Arial" panose="020B0604020202020204" pitchFamily="34" charset="0"/>
               <a:buChar char="•"/>
             </a:pPr>
             <a:r>
+              <a:rPr lang="en-US" sz="1200" dirty="0">
+                <a:latin typeface="Tahoma" panose="020B0604030504040204" pitchFamily="34" charset="0"/>
+                <a:ea typeface="Tahoma" panose="020B0604030504040204" pitchFamily="34" charset="0"/>
+                <a:cs typeface="Tahoma" panose="020B0604030504040204" pitchFamily="34" charset="0"/>
+              </a:rPr>
+              <a:t>DEC MEMORY</a:t>
+            </a:r>
+          </a:p>
+          <a:p>
+            <a:pPr marL="914400" lvl="1" indent="-457200">
+              <a:buFont typeface="Arial" panose="020B0604020202020204" pitchFamily="34" charset="0"/>
+              <a:buChar char="•"/>
+            </a:pPr>
+            <a:endParaRPr lang="en-US" sz="1200" dirty="0">
+              <a:latin typeface="Tahoma" panose="020B0604030504040204" pitchFamily="34" charset="0"/>
+              <a:ea typeface="Tahoma" panose="020B0604030504040204" pitchFamily="34" charset="0"/>
+              <a:cs typeface="Tahoma" panose="020B0604030504040204" pitchFamily="34" charset="0"/>
+            </a:endParaRPr>
+          </a:p>
+          <a:p>
+            <a:pPr marL="457200" indent="-457200">
+              <a:buFont typeface="Arial" panose="020B0604020202020204" pitchFamily="34" charset="0"/>
+              <a:buChar char="•"/>
+            </a:pPr>
+            <a:r>
               <a:rPr lang="en-US" sz="1400" dirty="0">
                 <a:latin typeface="Tahoma" panose="020B0604030504040204" pitchFamily="34" charset="0"/>
                 <a:ea typeface="Tahoma" panose="020B0604030504040204" pitchFamily="34" charset="0"/>
                 <a:cs typeface="Tahoma" panose="020B0604030504040204" pitchFamily="34" charset="0"/>
               </a:rPr>
-              <a:t>mnemonic [</a:t>
-            </a:r>
-            <a:r>
-              <a:rPr lang="en-US" sz="1400" dirty="0" err="1">
-                <a:latin typeface="Tahoma" panose="020B0604030504040204" pitchFamily="34" charset="0"/>
-                <a:ea typeface="Tahoma" panose="020B0604030504040204" pitchFamily="34" charset="0"/>
-                <a:cs typeface="Tahoma" panose="020B0604030504040204" pitchFamily="34" charset="0"/>
-              </a:rPr>
-              <a:t>dest</a:t>
-            </a:r>
+              <a:t>ADD AND SUB </a:t>
+            </a:r>
+          </a:p>
+          <a:p>
+            <a:pPr marL="914400" lvl="1" indent="-457200">
+              <a:buFont typeface="Arial" panose="020B0604020202020204" pitchFamily="34" charset="0"/>
+              <a:buChar char="•"/>
+            </a:pPr>
             <a:r>
               <a:rPr lang="en-US" sz="1400" dirty="0">
                 <a:latin typeface="Tahoma" panose="020B0604030504040204" pitchFamily="34" charset="0"/>
                 <a:ea typeface="Tahoma" panose="020B0604030504040204" pitchFamily="34" charset="0"/>
                 <a:cs typeface="Tahoma" panose="020B0604030504040204" pitchFamily="34" charset="0"/>
               </a:rPr>
-              <a:t>], [src1], [src2]</a:t>
-            </a:r>
-          </a:p>
-          <a:p>
-            <a:pPr marL="457200" indent="-457200" algn="l">
+              <a:t>ADD DEST, SRC //SAME AS MOV</a:t>
+            </a:r>
+          </a:p>
+          <a:p>
+            <a:pPr marL="914400" lvl="1" indent="-457200">
+              <a:buFont typeface="Arial" panose="020B0604020202020204" pitchFamily="34" charset="0"/>
+              <a:buChar char="•"/>
+            </a:pPr>
+            <a:r>
+              <a:rPr lang="en-US" sz="1400" dirty="0">
+                <a:latin typeface="Tahoma" panose="020B0604030504040204" pitchFamily="34" charset="0"/>
+                <a:ea typeface="Tahoma" panose="020B0604030504040204" pitchFamily="34" charset="0"/>
+                <a:cs typeface="Tahoma" panose="020B0604030504040204" pitchFamily="34" charset="0"/>
+              </a:rPr>
+              <a:t>SUB DEST, SRC //SAME AS MOV</a:t>
+            </a:r>
+          </a:p>
+          <a:p>
+            <a:pPr marL="914400" lvl="1" indent="-457200">
               <a:buFont typeface="Arial" panose="020B0604020202020204" pitchFamily="34" charset="0"/>
               <a:buChar char="•"/>
             </a:pPr>
@@ -4528,12 +5242,65 @@
             </a:endParaRPr>
           </a:p>
           <a:p>
-            <a:pPr algn="l"/>
+            <a:pPr marL="457200" indent="-457200" algn="l">
+              <a:buFont typeface="Arial" panose="020B0604020202020204" pitchFamily="34" charset="0"/>
+              <a:buChar char="•"/>
+            </a:pPr>
+            <a:r>
+              <a:rPr lang="en-US" sz="1400" dirty="0">
+                <a:latin typeface="Tahoma" panose="020B0604030504040204" pitchFamily="34" charset="0"/>
+                <a:ea typeface="Tahoma" panose="020B0604030504040204" pitchFamily="34" charset="0"/>
+                <a:cs typeface="Tahoma" panose="020B0604030504040204" pitchFamily="34" charset="0"/>
+              </a:rPr>
+              <a:t>NEG</a:t>
+            </a:r>
+          </a:p>
+          <a:p>
+            <a:pPr marL="749808" lvl="1" indent="-457200">
+              <a:buFont typeface="Arial" panose="020B0604020202020204" pitchFamily="34" charset="0"/>
+              <a:buChar char="•"/>
+            </a:pPr>
+            <a:r>
+              <a:rPr lang="en-US" sz="1200" dirty="0">
+                <a:latin typeface="Tahoma" panose="020B0604030504040204" pitchFamily="34" charset="0"/>
+                <a:ea typeface="Tahoma" panose="020B0604030504040204" pitchFamily="34" charset="0"/>
+                <a:cs typeface="Tahoma" panose="020B0604030504040204" pitchFamily="34" charset="0"/>
+              </a:rPr>
+              <a:t>NEG REGISTER //CONVERT TO TWO’S COMPLEMENT (FLIP ALL BITS AND ADD 1)</a:t>
+            </a:r>
+          </a:p>
+          <a:p>
+            <a:pPr marL="749808" lvl="1" indent="-457200">
+              <a:buFont typeface="Arial" panose="020B0604020202020204" pitchFamily="34" charset="0"/>
+              <a:buChar char="•"/>
+            </a:pPr>
+            <a:r>
+              <a:rPr lang="en-US" sz="1200" dirty="0">
+                <a:latin typeface="Tahoma" panose="020B0604030504040204" pitchFamily="34" charset="0"/>
+                <a:ea typeface="Tahoma" panose="020B0604030504040204" pitchFamily="34" charset="0"/>
+                <a:cs typeface="Tahoma" panose="020B0604030504040204" pitchFamily="34" charset="0"/>
+              </a:rPr>
+              <a:t>NEG MEMORY   //CONVERTS TO TWO’S COMPLEMENT</a:t>
+            </a:r>
             <a:endParaRPr lang="en-US" sz="1400" dirty="0">
               <a:latin typeface="Tahoma" panose="020B0604030504040204" pitchFamily="34" charset="0"/>
               <a:ea typeface="Tahoma" panose="020B0604030504040204" pitchFamily="34" charset="0"/>
               <a:cs typeface="Tahoma" panose="020B0604030504040204" pitchFamily="34" charset="0"/>
             </a:endParaRPr>
+          </a:p>
+          <a:p>
+            <a:pPr marL="457200" indent="-457200" algn="l">
+              <a:buFont typeface="Arial" panose="020B0604020202020204" pitchFamily="34" charset="0"/>
+              <a:buChar char="•"/>
+            </a:pPr>
+            <a:r>
+              <a:rPr lang="en-US" sz="1400" dirty="0">
+                <a:latin typeface="Tahoma" panose="020B0604030504040204" pitchFamily="34" charset="0"/>
+                <a:ea typeface="Tahoma" panose="020B0604030504040204" pitchFamily="34" charset="0"/>
+                <a:cs typeface="Tahoma" panose="020B0604030504040204" pitchFamily="34" charset="0"/>
+              </a:rPr>
+              <a:t>Note: Always look for EFLAGS bits after each instruction, if you’re not sure why some values got stored gibberish, EFLAGS are detailed in Video #2 of this course.</a:t>
+            </a:r>
           </a:p>
           <a:p>
             <a:pPr marL="457200" indent="-457200" algn="l">
@@ -4617,13 +5384,13 @@
             <a:spLocks noGrp="1"/>
           </p:cNvSpPr>
           <p:nvPr>
-            <p:ph type="ctrTitle"/>
+            <p:ph type="ctrTitle" idx="4294967295"/>
           </p:nvPr>
         </p:nvSpPr>
         <p:spPr>
           <a:xfrm>
-            <a:off x="1915128" y="409433"/>
-            <a:ext cx="8361229" cy="552468"/>
+            <a:off x="1915317" y="232154"/>
+            <a:ext cx="8361363" cy="552450"/>
           </a:xfrm>
         </p:spPr>
         <p:txBody>
@@ -4635,7 +5402,7 @@
             <a:pPr algn="ctr"/>
             <a:r>
               <a:rPr lang="en-US" sz="4400" dirty="0"/>
-              <a:t>MOV INSTRUCTION</a:t>
+              <a:t>DIRECTIVES REVISITED</a:t>
             </a:r>
           </a:p>
         </p:txBody>
@@ -4653,13 +5420,13 @@
             <a:spLocks noGrp="1"/>
           </p:cNvSpPr>
           <p:nvPr>
-            <p:ph type="subTitle" idx="1"/>
+            <p:ph type="subTitle" idx="4294967295"/>
           </p:nvPr>
         </p:nvSpPr>
         <p:spPr>
           <a:xfrm>
-            <a:off x="1150351" y="1227701"/>
-            <a:ext cx="9972574" cy="3124163"/>
+            <a:off x="1109662" y="1326356"/>
+            <a:ext cx="9972675" cy="4205287"/>
           </a:xfrm>
         </p:spPr>
         <p:txBody>
@@ -4668,88 +5435,221 @@
           </a:bodyPr>
           <a:lstStyle/>
           <a:p>
-            <a:pPr marL="457200" indent="-457200" algn="l">
+            <a:pPr marL="749808" lvl="1" indent="-457200">
               <a:buFont typeface="Arial" panose="020B0604020202020204" pitchFamily="34" charset="0"/>
               <a:buChar char="•"/>
             </a:pPr>
             <a:r>
+              <a:rPr lang="en-US" sz="1400" b="1" dirty="0">
+                <a:latin typeface="Tahoma" panose="020B0604030504040204" pitchFamily="34" charset="0"/>
+                <a:ea typeface="Tahoma" panose="020B0604030504040204" pitchFamily="34" charset="0"/>
+                <a:cs typeface="Tahoma" panose="020B0604030504040204" pitchFamily="34" charset="0"/>
+              </a:rPr>
+              <a:t>OFFSET</a:t>
+            </a:r>
+            <a:r>
               <a:rPr lang="en-US" sz="1400" dirty="0">
                 <a:latin typeface="Tahoma" panose="020B0604030504040204" pitchFamily="34" charset="0"/>
                 <a:ea typeface="Tahoma" panose="020B0604030504040204" pitchFamily="34" charset="0"/>
                 <a:cs typeface="Tahoma" panose="020B0604030504040204" pitchFamily="34" charset="0"/>
               </a:rPr>
-              <a:t>MOV INSTRUCTION FORMATS</a:t>
-            </a:r>
-          </a:p>
-          <a:p>
-            <a:pPr marL="914400" lvl="1" indent="-457200" algn="l">
+              <a:t> //LOADS ADDRESS OF A VARIABLE, NUM1, NUM2, ETC</a:t>
+            </a:r>
+          </a:p>
+          <a:p>
+            <a:pPr marL="932688" lvl="2" indent="-457200">
               <a:buFont typeface="Arial" panose="020B0604020202020204" pitchFamily="34" charset="0"/>
               <a:buChar char="•"/>
             </a:pPr>
             <a:r>
-              <a:rPr lang="en-US" sz="1400" dirty="0">
-                <a:latin typeface="Tahoma" panose="020B0604030504040204" pitchFamily="34" charset="0"/>
-                <a:ea typeface="Tahoma" panose="020B0604030504040204" pitchFamily="34" charset="0"/>
-                <a:cs typeface="Tahoma" panose="020B0604030504040204" pitchFamily="34" charset="0"/>
-              </a:rPr>
-              <a:t>MOV REGISTER, REGISTER	//MOV EAX, EBX</a:t>
-            </a:r>
-          </a:p>
-          <a:p>
-            <a:pPr marL="914400" lvl="1" indent="-457200" algn="l">
+              <a:rPr lang="en-US" dirty="0">
+                <a:latin typeface="Tahoma" panose="020B0604030504040204" pitchFamily="34" charset="0"/>
+                <a:ea typeface="Tahoma" panose="020B0604030504040204" pitchFamily="34" charset="0"/>
+                <a:cs typeface="Tahoma" panose="020B0604030504040204" pitchFamily="34" charset="0"/>
+              </a:rPr>
+              <a:t>NUMARRAY BYTE 10, 20</a:t>
+            </a:r>
+          </a:p>
+          <a:p>
+            <a:pPr marL="932688" lvl="2" indent="-457200">
               <a:buFont typeface="Arial" panose="020B0604020202020204" pitchFamily="34" charset="0"/>
               <a:buChar char="•"/>
             </a:pPr>
             <a:r>
-              <a:rPr lang="en-US" sz="1400" dirty="0">
-                <a:latin typeface="Tahoma" panose="020B0604030504040204" pitchFamily="34" charset="0"/>
-                <a:ea typeface="Tahoma" panose="020B0604030504040204" pitchFamily="34" charset="0"/>
-                <a:cs typeface="Tahoma" panose="020B0604030504040204" pitchFamily="34" charset="0"/>
-              </a:rPr>
-              <a:t>MOV MEMORY, REGISTER	//MOV NUM1, EAX</a:t>
-            </a:r>
-          </a:p>
-          <a:p>
-            <a:pPr marL="914400" lvl="1" indent="-457200" algn="l">
+              <a:rPr lang="en-US" dirty="0">
+                <a:latin typeface="Tahoma" panose="020B0604030504040204" pitchFamily="34" charset="0"/>
+                <a:ea typeface="Tahoma" panose="020B0604030504040204" pitchFamily="34" charset="0"/>
+                <a:cs typeface="Tahoma" panose="020B0604030504040204" pitchFamily="34" charset="0"/>
+              </a:rPr>
+              <a:t>MOV ESI, OFFSET NUM1 	//STORES ADDRESS OF 10</a:t>
+            </a:r>
+          </a:p>
+          <a:p>
+            <a:pPr marL="932688" lvl="2" indent="-457200">
               <a:buFont typeface="Arial" panose="020B0604020202020204" pitchFamily="34" charset="0"/>
               <a:buChar char="•"/>
             </a:pPr>
             <a:r>
-              <a:rPr lang="en-US" sz="1400" dirty="0">
-                <a:latin typeface="Tahoma" panose="020B0604030504040204" pitchFamily="34" charset="0"/>
-                <a:ea typeface="Tahoma" panose="020B0604030504040204" pitchFamily="34" charset="0"/>
-                <a:cs typeface="Tahoma" panose="020B0604030504040204" pitchFamily="34" charset="0"/>
-              </a:rPr>
-              <a:t>MOV REGISTER, MEMORY	//MOV EAX, NUM1</a:t>
-            </a:r>
-          </a:p>
-          <a:p>
-            <a:pPr marL="914400" lvl="1" indent="-457200" algn="l">
+              <a:rPr lang="en-US" dirty="0">
+                <a:latin typeface="Tahoma" panose="020B0604030504040204" pitchFamily="34" charset="0"/>
+                <a:ea typeface="Tahoma" panose="020B0604030504040204" pitchFamily="34" charset="0"/>
+                <a:cs typeface="Tahoma" panose="020B0604030504040204" pitchFamily="34" charset="0"/>
+              </a:rPr>
+              <a:t>MOV ESI, OFFSET NUM1 + 1	//STORES ADDRESS OF 20</a:t>
+            </a:r>
+          </a:p>
+          <a:p>
+            <a:pPr marL="932688" lvl="2" indent="-457200">
               <a:buFont typeface="Arial" panose="020B0604020202020204" pitchFamily="34" charset="0"/>
               <a:buChar char="•"/>
             </a:pPr>
-            <a:r>
-              <a:rPr lang="en-US" sz="1400" dirty="0">
-                <a:latin typeface="Tahoma" panose="020B0604030504040204" pitchFamily="34" charset="0"/>
-                <a:ea typeface="Tahoma" panose="020B0604030504040204" pitchFamily="34" charset="0"/>
-                <a:cs typeface="Tahoma" panose="020B0604030504040204" pitchFamily="34" charset="0"/>
-              </a:rPr>
-              <a:t>MOV MEMORY, VALUE		//MOV NUM1, 10</a:t>
-            </a:r>
-          </a:p>
-          <a:p>
-            <a:pPr marL="914400" lvl="1" indent="-457200" algn="l">
+            <a:endParaRPr lang="en-US" dirty="0">
+              <a:latin typeface="Tahoma" panose="020B0604030504040204" pitchFamily="34" charset="0"/>
+              <a:ea typeface="Tahoma" panose="020B0604030504040204" pitchFamily="34" charset="0"/>
+              <a:cs typeface="Tahoma" panose="020B0604030504040204" pitchFamily="34" charset="0"/>
+            </a:endParaRPr>
+          </a:p>
+          <a:p>
+            <a:pPr marL="932688" lvl="2" indent="-457200">
               <a:buFont typeface="Arial" panose="020B0604020202020204" pitchFamily="34" charset="0"/>
               <a:buChar char="•"/>
             </a:pPr>
             <a:r>
-              <a:rPr lang="en-US" sz="1400" dirty="0">
-                <a:latin typeface="Tahoma" panose="020B0604030504040204" pitchFamily="34" charset="0"/>
-                <a:ea typeface="Tahoma" panose="020B0604030504040204" pitchFamily="34" charset="0"/>
-                <a:cs typeface="Tahoma" panose="020B0604030504040204" pitchFamily="34" charset="0"/>
-              </a:rPr>
-              <a:t>MOV REGISTER, VALUE	//MOV EAX, 10</a:t>
-            </a:r>
+              <a:rPr lang="en-US" dirty="0">
+                <a:solidFill>
+                  <a:srgbClr val="00B050"/>
+                </a:solidFill>
+                <a:latin typeface="Tahoma" panose="020B0604030504040204" pitchFamily="34" charset="0"/>
+                <a:ea typeface="Tahoma" panose="020B0604030504040204" pitchFamily="34" charset="0"/>
+                <a:cs typeface="Tahoma" panose="020B0604030504040204" pitchFamily="34" charset="0"/>
+              </a:rPr>
+              <a:t>MYARRAY</a:t>
+            </a:r>
+            <a:r>
+              <a:rPr lang="en-US" dirty="0">
+                <a:latin typeface="Tahoma" panose="020B0604030504040204" pitchFamily="34" charset="0"/>
+                <a:ea typeface="Tahoma" panose="020B0604030504040204" pitchFamily="34" charset="0"/>
+                <a:cs typeface="Tahoma" panose="020B0604030504040204" pitchFamily="34" charset="0"/>
+              </a:rPr>
+              <a:t> BYTE 10, 20, 30</a:t>
+            </a:r>
+          </a:p>
+          <a:p>
+            <a:pPr marL="932688" lvl="2" indent="-457200">
+              <a:buFont typeface="Arial" panose="020B0604020202020204" pitchFamily="34" charset="0"/>
+              <a:buChar char="•"/>
+            </a:pPr>
+            <a:r>
+              <a:rPr lang="en-US" dirty="0">
+                <a:solidFill>
+                  <a:srgbClr val="0070C0"/>
+                </a:solidFill>
+                <a:latin typeface="Tahoma" panose="020B0604030504040204" pitchFamily="34" charset="0"/>
+                <a:ea typeface="Tahoma" panose="020B0604030504040204" pitchFamily="34" charset="0"/>
+                <a:cs typeface="Tahoma" panose="020B0604030504040204" pitchFamily="34" charset="0"/>
+              </a:rPr>
+              <a:t>MYPTR</a:t>
+            </a:r>
+            <a:r>
+              <a:rPr lang="en-US" dirty="0">
+                <a:latin typeface="Tahoma" panose="020B0604030504040204" pitchFamily="34" charset="0"/>
+                <a:ea typeface="Tahoma" panose="020B0604030504040204" pitchFamily="34" charset="0"/>
+                <a:cs typeface="Tahoma" panose="020B0604030504040204" pitchFamily="34" charset="0"/>
+              </a:rPr>
+              <a:t> BYTE </a:t>
+            </a:r>
+            <a:r>
+              <a:rPr lang="en-US" dirty="0">
+                <a:solidFill>
+                  <a:srgbClr val="00B050"/>
+                </a:solidFill>
+                <a:latin typeface="Tahoma" panose="020B0604030504040204" pitchFamily="34" charset="0"/>
+                <a:ea typeface="Tahoma" panose="020B0604030504040204" pitchFamily="34" charset="0"/>
+                <a:cs typeface="Tahoma" panose="020B0604030504040204" pitchFamily="34" charset="0"/>
+              </a:rPr>
+              <a:t>MYARRY</a:t>
+            </a:r>
+            <a:r>
+              <a:rPr lang="en-US" dirty="0">
+                <a:latin typeface="Tahoma" panose="020B0604030504040204" pitchFamily="34" charset="0"/>
+                <a:ea typeface="Tahoma" panose="020B0604030504040204" pitchFamily="34" charset="0"/>
+                <a:cs typeface="Tahoma" panose="020B0604030504040204" pitchFamily="34" charset="0"/>
+              </a:rPr>
+              <a:t>		//</a:t>
+            </a:r>
+            <a:r>
+              <a:rPr lang="en-US" dirty="0">
+                <a:solidFill>
+                  <a:srgbClr val="00B050"/>
+                </a:solidFill>
+                <a:latin typeface="Tahoma" panose="020B0604030504040204" pitchFamily="34" charset="0"/>
+                <a:ea typeface="Tahoma" panose="020B0604030504040204" pitchFamily="34" charset="0"/>
+                <a:cs typeface="Tahoma" panose="020B0604030504040204" pitchFamily="34" charset="0"/>
+              </a:rPr>
+              <a:t>CREATING A POINTER </a:t>
+            </a:r>
+          </a:p>
+          <a:p>
+            <a:pPr marL="932688" lvl="2" indent="-457200">
+              <a:buFont typeface="Arial" panose="020B0604020202020204" pitchFamily="34" charset="0"/>
+              <a:buChar char="•"/>
+            </a:pPr>
+            <a:r>
+              <a:rPr lang="en-US" b="1" dirty="0">
+                <a:latin typeface="Tahoma" panose="020B0604030504040204" pitchFamily="34" charset="0"/>
+                <a:ea typeface="Tahoma" panose="020B0604030504040204" pitchFamily="34" charset="0"/>
+                <a:cs typeface="Tahoma" panose="020B0604030504040204" pitchFamily="34" charset="0"/>
+              </a:rPr>
+              <a:t>MOV</a:t>
+            </a:r>
+            <a:r>
+              <a:rPr lang="en-US" dirty="0">
+                <a:latin typeface="Tahoma" panose="020B0604030504040204" pitchFamily="34" charset="0"/>
+                <a:ea typeface="Tahoma" panose="020B0604030504040204" pitchFamily="34" charset="0"/>
+                <a:cs typeface="Tahoma" panose="020B0604030504040204" pitchFamily="34" charset="0"/>
+              </a:rPr>
+              <a:t> </a:t>
+            </a:r>
+            <a:r>
+              <a:rPr lang="en-US" b="1" dirty="0">
+                <a:latin typeface="Tahoma" panose="020B0604030504040204" pitchFamily="34" charset="0"/>
+                <a:ea typeface="Tahoma" panose="020B0604030504040204" pitchFamily="34" charset="0"/>
+                <a:cs typeface="Tahoma" panose="020B0604030504040204" pitchFamily="34" charset="0"/>
+              </a:rPr>
+              <a:t>ESI</a:t>
+            </a:r>
+            <a:r>
+              <a:rPr lang="en-US" dirty="0">
+                <a:latin typeface="Tahoma" panose="020B0604030504040204" pitchFamily="34" charset="0"/>
+                <a:ea typeface="Tahoma" panose="020B0604030504040204" pitchFamily="34" charset="0"/>
+                <a:cs typeface="Tahoma" panose="020B0604030504040204" pitchFamily="34" charset="0"/>
+              </a:rPr>
+              <a:t>, </a:t>
+            </a:r>
+            <a:r>
+              <a:rPr lang="en-US" dirty="0">
+                <a:solidFill>
+                  <a:srgbClr val="0070C0"/>
+                </a:solidFill>
+                <a:latin typeface="Tahoma" panose="020B0604030504040204" pitchFamily="34" charset="0"/>
+                <a:ea typeface="Tahoma" panose="020B0604030504040204" pitchFamily="34" charset="0"/>
+                <a:cs typeface="Tahoma" panose="020B0604030504040204" pitchFamily="34" charset="0"/>
+              </a:rPr>
+              <a:t>MYPTR</a:t>
+            </a:r>
+            <a:r>
+              <a:rPr lang="en-US" dirty="0">
+                <a:latin typeface="Tahoma" panose="020B0604030504040204" pitchFamily="34" charset="0"/>
+                <a:ea typeface="Tahoma" panose="020B0604030504040204" pitchFamily="34" charset="0"/>
+                <a:cs typeface="Tahoma" panose="020B0604030504040204" pitchFamily="34" charset="0"/>
+              </a:rPr>
+              <a:t> 		//ESI HAS STARTING ADDRESS OF MYARRAY</a:t>
+            </a:r>
+            <a:endParaRPr lang="en-US" sz="1400" dirty="0">
+              <a:latin typeface="Tahoma" panose="020B0604030504040204" pitchFamily="34" charset="0"/>
+              <a:ea typeface="Tahoma" panose="020B0604030504040204" pitchFamily="34" charset="0"/>
+              <a:cs typeface="Tahoma" panose="020B0604030504040204" pitchFamily="34" charset="0"/>
+            </a:endParaRPr>
           </a:p>
           <a:p>
             <a:pPr marL="457200" indent="-457200" algn="l">
@@ -4757,25 +5657,6 @@
               <a:buChar char="•"/>
             </a:pPr>
             <a:endParaRPr lang="en-US" sz="1400" dirty="0">
-              <a:latin typeface="Tahoma" panose="020B0604030504040204" pitchFamily="34" charset="0"/>
-              <a:ea typeface="Tahoma" panose="020B0604030504040204" pitchFamily="34" charset="0"/>
-              <a:cs typeface="Tahoma" panose="020B0604030504040204" pitchFamily="34" charset="0"/>
-            </a:endParaRPr>
-          </a:p>
-          <a:p>
-            <a:pPr algn="l"/>
-            <a:endParaRPr lang="en-US" sz="1400" dirty="0">
-              <a:latin typeface="Tahoma" panose="020B0604030504040204" pitchFamily="34" charset="0"/>
-              <a:ea typeface="Tahoma" panose="020B0604030504040204" pitchFamily="34" charset="0"/>
-              <a:cs typeface="Tahoma" panose="020B0604030504040204" pitchFamily="34" charset="0"/>
-            </a:endParaRPr>
-          </a:p>
-          <a:p>
-            <a:pPr marL="457200" indent="-457200" algn="l">
-              <a:buFont typeface="Arial" panose="020B0604020202020204" pitchFamily="34" charset="0"/>
-              <a:buChar char="•"/>
-            </a:pPr>
-            <a:endParaRPr lang="en-US" sz="4300" dirty="0">
               <a:solidFill>
                 <a:schemeClr val="tx2"/>
               </a:solidFill>
@@ -4786,7 +5667,7 @@
           </a:p>
           <a:p>
             <a:pPr algn="l"/>
-            <a:endParaRPr lang="en-US" sz="2000" dirty="0">
+            <a:endParaRPr lang="en-US" sz="1400" dirty="0">
               <a:solidFill>
                 <a:schemeClr val="tx2"/>
               </a:solidFill>
@@ -4797,10 +5678,46 @@
           </a:p>
         </p:txBody>
       </p:sp>
+      <p:pic>
+        <p:nvPicPr>
+          <p:cNvPr id="5" name="Picture 4">
+            <a:extLst>
+              <a:ext uri="{FF2B5EF4-FFF2-40B4-BE49-F238E27FC236}">
+                <a16:creationId xmlns:a16="http://schemas.microsoft.com/office/drawing/2014/main" id="{FAD5B730-0397-4A70-821C-582FBCDD6D1B}"/>
+              </a:ext>
+            </a:extLst>
+          </p:cNvPr>
+          <p:cNvPicPr>
+            <a:picLocks noChangeAspect="1"/>
+          </p:cNvPicPr>
+          <p:nvPr/>
+        </p:nvPicPr>
+        <p:blipFill>
+          <a:blip r:embed="rId2">
+            <a:extLst>
+              <a:ext uri="{28A0092B-C50C-407E-A947-70E740481C1C}">
+                <a14:useLocalDpi xmlns:a14="http://schemas.microsoft.com/office/drawing/2010/main" val="0"/>
+              </a:ext>
+            </a:extLst>
+          </a:blip>
+          <a:stretch>
+            <a:fillRect/>
+          </a:stretch>
+        </p:blipFill>
+        <p:spPr>
+          <a:xfrm>
+            <a:off x="6762466" y="2755710"/>
+            <a:ext cx="457200" cy="457200"/>
+          </a:xfrm>
+          <a:prstGeom prst="rect">
+            <a:avLst/>
+          </a:prstGeom>
+        </p:spPr>
+      </p:pic>
     </p:spTree>
     <p:extLst>
       <p:ext uri="{BB962C8B-B14F-4D97-AF65-F5344CB8AC3E}">
-        <p14:creationId xmlns:p14="http://schemas.microsoft.com/office/powerpoint/2010/main" val="724565402"/>
+        <p14:creationId xmlns:p14="http://schemas.microsoft.com/office/powerpoint/2010/main" val="988369421"/>
       </p:ext>
     </p:extLst>
   </p:cSld>
@@ -4852,13 +5769,13 @@
             <a:spLocks noGrp="1"/>
           </p:cNvSpPr>
           <p:nvPr>
-            <p:ph type="ctrTitle"/>
+            <p:ph type="ctrTitle" idx="4294967295"/>
           </p:nvPr>
         </p:nvSpPr>
         <p:spPr>
           <a:xfrm>
-            <a:off x="1915128" y="409433"/>
-            <a:ext cx="8361229" cy="552468"/>
+            <a:off x="1915317" y="232154"/>
+            <a:ext cx="8361363" cy="552450"/>
           </a:xfrm>
         </p:spPr>
         <p:txBody>
@@ -4870,7 +5787,7 @@
             <a:pPr algn="ctr"/>
             <a:r>
               <a:rPr lang="en-US" sz="4400" dirty="0"/>
-              <a:t>MOVZX AND MOVSX INSTRUCTION</a:t>
+              <a:t>CONT.</a:t>
             </a:r>
           </a:p>
         </p:txBody>
@@ -4888,13 +5805,13 @@
             <a:spLocks noGrp="1"/>
           </p:cNvSpPr>
           <p:nvPr>
-            <p:ph type="subTitle" idx="1"/>
+            <p:ph type="subTitle" idx="4294967295"/>
           </p:nvPr>
         </p:nvSpPr>
         <p:spPr>
           <a:xfrm>
-            <a:off x="1150351" y="1227701"/>
-            <a:ext cx="9972574" cy="3124163"/>
+            <a:off x="1109662" y="1326356"/>
+            <a:ext cx="9972675" cy="4205287"/>
           </a:xfrm>
         </p:spPr>
         <p:txBody>
@@ -4903,164 +5820,53 @@
           </a:bodyPr>
           <a:lstStyle/>
           <a:p>
-            <a:pPr marL="457200" indent="-457200" algn="l">
+            <a:pPr marL="749808" lvl="1" indent="-457200">
               <a:buFont typeface="Arial" panose="020B0604020202020204" pitchFamily="34" charset="0"/>
               <a:buChar char="•"/>
             </a:pPr>
             <a:r>
+              <a:rPr lang="en-US" sz="1400" b="1" dirty="0">
+                <a:latin typeface="Tahoma" panose="020B0604030504040204" pitchFamily="34" charset="0"/>
+                <a:ea typeface="Tahoma" panose="020B0604030504040204" pitchFamily="34" charset="0"/>
+                <a:cs typeface="Tahoma" panose="020B0604030504040204" pitchFamily="34" charset="0"/>
+              </a:rPr>
+              <a:t>LENGTHOF</a:t>
+            </a:r>
+            <a:r>
               <a:rPr lang="en-US" sz="1400" dirty="0">
                 <a:latin typeface="Tahoma" panose="020B0604030504040204" pitchFamily="34" charset="0"/>
                 <a:ea typeface="Tahoma" panose="020B0604030504040204" pitchFamily="34" charset="0"/>
                 <a:cs typeface="Tahoma" panose="020B0604030504040204" pitchFamily="34" charset="0"/>
               </a:rPr>
-              <a:t>USE THEM WHEN COPYING FROM SMALLER SOURCE TO LARGE DESTINATIONS</a:t>
-            </a:r>
-          </a:p>
-          <a:p>
-            <a:pPr marL="914400" lvl="1" indent="-457200" algn="l">
+              <a:t> //GIVE NUMBER OF ITEMS IN AN ARRAY</a:t>
+            </a:r>
+          </a:p>
+          <a:p>
+            <a:pPr marL="932688" lvl="2" indent="-457200">
               <a:buFont typeface="Arial" panose="020B0604020202020204" pitchFamily="34" charset="0"/>
               <a:buChar char="•"/>
             </a:pPr>
             <a:r>
-              <a:rPr lang="en-US" sz="1400" dirty="0">
-                <a:latin typeface="Tahoma" panose="020B0604030504040204" pitchFamily="34" charset="0"/>
-                <a:ea typeface="Tahoma" panose="020B0604030504040204" pitchFamily="34" charset="0"/>
-                <a:cs typeface="Tahoma" panose="020B0604030504040204" pitchFamily="34" charset="0"/>
-              </a:rPr>
-              <a:t>num1 byte 8 	//8-bit </a:t>
-            </a:r>
-            <a:r>
-              <a:rPr lang="en-US" sz="1400" dirty="0" err="1">
-                <a:latin typeface="Tahoma" panose="020B0604030504040204" pitchFamily="34" charset="0"/>
-                <a:ea typeface="Tahoma" panose="020B0604030504040204" pitchFamily="34" charset="0"/>
-                <a:cs typeface="Tahoma" panose="020B0604030504040204" pitchFamily="34" charset="0"/>
-              </a:rPr>
-              <a:t>src</a:t>
-            </a:r>
-            <a:endParaRPr lang="en-US" sz="1400" dirty="0">
-              <a:latin typeface="Tahoma" panose="020B0604030504040204" pitchFamily="34" charset="0"/>
-              <a:ea typeface="Tahoma" panose="020B0604030504040204" pitchFamily="34" charset="0"/>
-              <a:cs typeface="Tahoma" panose="020B0604030504040204" pitchFamily="34" charset="0"/>
-            </a:endParaRPr>
-          </a:p>
-          <a:p>
-            <a:pPr marL="914400" lvl="1" indent="-457200" algn="l">
+              <a:rPr lang="en-US" dirty="0">
+                <a:latin typeface="Tahoma" panose="020B0604030504040204" pitchFamily="34" charset="0"/>
+                <a:ea typeface="Tahoma" panose="020B0604030504040204" pitchFamily="34" charset="0"/>
+                <a:cs typeface="Tahoma" panose="020B0604030504040204" pitchFamily="34" charset="0"/>
+              </a:rPr>
+              <a:t>MYARRAY BYTE 10, 20, 30</a:t>
+            </a:r>
+          </a:p>
+          <a:p>
+            <a:pPr marL="932688" lvl="2" indent="-457200">
               <a:buFont typeface="Arial" panose="020B0604020202020204" pitchFamily="34" charset="0"/>
               <a:buChar char="•"/>
             </a:pPr>
             <a:r>
-              <a:rPr lang="en-US" sz="1400" dirty="0">
-                <a:latin typeface="Tahoma" panose="020B0604030504040204" pitchFamily="34" charset="0"/>
-                <a:ea typeface="Tahoma" panose="020B0604030504040204" pitchFamily="34" charset="0"/>
-                <a:cs typeface="Tahoma" panose="020B0604030504040204" pitchFamily="34" charset="0"/>
-              </a:rPr>
-              <a:t>num2 byte -8 	//8-bit </a:t>
-            </a:r>
-            <a:r>
-              <a:rPr lang="en-US" sz="1400" dirty="0" err="1">
-                <a:latin typeface="Tahoma" panose="020B0604030504040204" pitchFamily="34" charset="0"/>
-                <a:ea typeface="Tahoma" panose="020B0604030504040204" pitchFamily="34" charset="0"/>
-                <a:cs typeface="Tahoma" panose="020B0604030504040204" pitchFamily="34" charset="0"/>
-              </a:rPr>
-              <a:t>src</a:t>
-            </a:r>
-            <a:endParaRPr lang="en-US" sz="1400" dirty="0">
-              <a:latin typeface="Tahoma" panose="020B0604030504040204" pitchFamily="34" charset="0"/>
-              <a:ea typeface="Tahoma" panose="020B0604030504040204" pitchFamily="34" charset="0"/>
-              <a:cs typeface="Tahoma" panose="020B0604030504040204" pitchFamily="34" charset="0"/>
-            </a:endParaRPr>
-          </a:p>
-          <a:p>
-            <a:pPr marL="914400" lvl="1" indent="-457200" algn="l">
-              <a:buFont typeface="Arial" panose="020B0604020202020204" pitchFamily="34" charset="0"/>
-              <a:buChar char="•"/>
-            </a:pPr>
-            <a:r>
-              <a:rPr lang="en-US" sz="1400" dirty="0">
-                <a:latin typeface="Tahoma" panose="020B0604030504040204" pitchFamily="34" charset="0"/>
-                <a:ea typeface="Tahoma" panose="020B0604030504040204" pitchFamily="34" charset="0"/>
-                <a:cs typeface="Tahoma" panose="020B0604030504040204" pitchFamily="34" charset="0"/>
-              </a:rPr>
-              <a:t>eax 		//32-bit </a:t>
-            </a:r>
-            <a:r>
-              <a:rPr lang="en-US" sz="1400" dirty="0" err="1">
-                <a:latin typeface="Tahoma" panose="020B0604030504040204" pitchFamily="34" charset="0"/>
-                <a:ea typeface="Tahoma" panose="020B0604030504040204" pitchFamily="34" charset="0"/>
-                <a:cs typeface="Tahoma" panose="020B0604030504040204" pitchFamily="34" charset="0"/>
-              </a:rPr>
-              <a:t>dest</a:t>
-            </a:r>
-            <a:endParaRPr lang="en-US" sz="1400" dirty="0">
-              <a:latin typeface="Tahoma" panose="020B0604030504040204" pitchFamily="34" charset="0"/>
-              <a:ea typeface="Tahoma" panose="020B0604030504040204" pitchFamily="34" charset="0"/>
-              <a:cs typeface="Tahoma" panose="020B0604030504040204" pitchFamily="34" charset="0"/>
-            </a:endParaRPr>
-          </a:p>
-          <a:p>
-            <a:pPr marL="914400" lvl="1" indent="-457200" algn="l">
-              <a:buFont typeface="Arial" panose="020B0604020202020204" pitchFamily="34" charset="0"/>
-              <a:buChar char="•"/>
-            </a:pPr>
-            <a:r>
-              <a:rPr lang="en-US" sz="1400" dirty="0" err="1">
-                <a:latin typeface="Tahoma" panose="020B0604030504040204" pitchFamily="34" charset="0"/>
-                <a:ea typeface="Tahoma" panose="020B0604030504040204" pitchFamily="34" charset="0"/>
-                <a:cs typeface="Tahoma" panose="020B0604030504040204" pitchFamily="34" charset="0"/>
-              </a:rPr>
-              <a:t>mov</a:t>
-            </a:r>
-            <a:r>
-              <a:rPr lang="en-US" sz="1400" dirty="0">
-                <a:latin typeface="Tahoma" panose="020B0604030504040204" pitchFamily="34" charset="0"/>
-                <a:ea typeface="Tahoma" panose="020B0604030504040204" pitchFamily="34" charset="0"/>
-                <a:cs typeface="Tahoma" panose="020B0604030504040204" pitchFamily="34" charset="0"/>
-              </a:rPr>
-              <a:t> eax, num1 	//don’t do this, the register gets filled with incorrect </a:t>
-            </a:r>
-          </a:p>
-          <a:p>
-            <a:pPr marL="914400" lvl="1" indent="-457200" algn="l">
-              <a:buFont typeface="Arial" panose="020B0604020202020204" pitchFamily="34" charset="0"/>
-              <a:buChar char="•"/>
-            </a:pPr>
-            <a:r>
-              <a:rPr lang="en-US" sz="1400" dirty="0" err="1">
-                <a:latin typeface="Tahoma" panose="020B0604030504040204" pitchFamily="34" charset="0"/>
-                <a:ea typeface="Tahoma" panose="020B0604030504040204" pitchFamily="34" charset="0"/>
-                <a:cs typeface="Tahoma" panose="020B0604030504040204" pitchFamily="34" charset="0"/>
-              </a:rPr>
-              <a:t>movzx</a:t>
-            </a:r>
-            <a:r>
-              <a:rPr lang="en-US" sz="1400" dirty="0">
-                <a:latin typeface="Tahoma" panose="020B0604030504040204" pitchFamily="34" charset="0"/>
-                <a:ea typeface="Tahoma" panose="020B0604030504040204" pitchFamily="34" charset="0"/>
-                <a:cs typeface="Tahoma" panose="020B0604030504040204" pitchFamily="34" charset="0"/>
-              </a:rPr>
-              <a:t> eax, num1	//copies a un-signed byte into 16-bit destination</a:t>
-            </a:r>
-          </a:p>
-          <a:p>
-            <a:pPr marL="914400" lvl="1" indent="-457200" algn="l">
-              <a:buFont typeface="Arial" panose="020B0604020202020204" pitchFamily="34" charset="0"/>
-              <a:buChar char="•"/>
-            </a:pPr>
-            <a:r>
-              <a:rPr lang="en-US" sz="1400" dirty="0" err="1">
-                <a:latin typeface="Tahoma" panose="020B0604030504040204" pitchFamily="34" charset="0"/>
-                <a:ea typeface="Tahoma" panose="020B0604030504040204" pitchFamily="34" charset="0"/>
-                <a:cs typeface="Tahoma" panose="020B0604030504040204" pitchFamily="34" charset="0"/>
-              </a:rPr>
-              <a:t>movsx</a:t>
-            </a:r>
-            <a:r>
-              <a:rPr lang="en-US" sz="1400" dirty="0">
-                <a:latin typeface="Tahoma" panose="020B0604030504040204" pitchFamily="34" charset="0"/>
-                <a:ea typeface="Tahoma" panose="020B0604030504040204" pitchFamily="34" charset="0"/>
-                <a:cs typeface="Tahoma" panose="020B0604030504040204" pitchFamily="34" charset="0"/>
-              </a:rPr>
-              <a:t> eax, num2	//copies a signed byte into a 16-bit destination</a:t>
+              <a:rPr lang="en-US" dirty="0">
+                <a:latin typeface="Tahoma" panose="020B0604030504040204" pitchFamily="34" charset="0"/>
+                <a:ea typeface="Tahoma" panose="020B0604030504040204" pitchFamily="34" charset="0"/>
+                <a:cs typeface="Tahoma" panose="020B0604030504040204" pitchFamily="34" charset="0"/>
+              </a:rPr>
+              <a:t>MOV EAX, LENGTHOF MYARRAY 	//EAX = 3</a:t>
             </a:r>
           </a:p>
           <a:p>
@@ -5069,25 +5875,6 @@
               <a:buChar char="•"/>
             </a:pPr>
             <a:endParaRPr lang="en-US" sz="1400" dirty="0">
-              <a:latin typeface="Tahoma" panose="020B0604030504040204" pitchFamily="34" charset="0"/>
-              <a:ea typeface="Tahoma" panose="020B0604030504040204" pitchFamily="34" charset="0"/>
-              <a:cs typeface="Tahoma" panose="020B0604030504040204" pitchFamily="34" charset="0"/>
-            </a:endParaRPr>
-          </a:p>
-          <a:p>
-            <a:pPr algn="l"/>
-            <a:endParaRPr lang="en-US" sz="1400" dirty="0">
-              <a:latin typeface="Tahoma" panose="020B0604030504040204" pitchFamily="34" charset="0"/>
-              <a:ea typeface="Tahoma" panose="020B0604030504040204" pitchFamily="34" charset="0"/>
-              <a:cs typeface="Tahoma" panose="020B0604030504040204" pitchFamily="34" charset="0"/>
-            </a:endParaRPr>
-          </a:p>
-          <a:p>
-            <a:pPr marL="457200" indent="-457200" algn="l">
-              <a:buFont typeface="Arial" panose="020B0604020202020204" pitchFamily="34" charset="0"/>
-              <a:buChar char="•"/>
-            </a:pPr>
-            <a:endParaRPr lang="en-US" sz="4300" dirty="0">
               <a:solidFill>
                 <a:schemeClr val="tx2"/>
               </a:solidFill>
@@ -5098,7 +5885,7 @@
           </a:p>
           <a:p>
             <a:pPr algn="l"/>
-            <a:endParaRPr lang="en-US" sz="2000" dirty="0">
+            <a:endParaRPr lang="en-US" sz="1400" dirty="0">
               <a:solidFill>
                 <a:schemeClr val="tx2"/>
               </a:solidFill>
@@ -5112,7 +5899,7 @@
     </p:spTree>
     <p:extLst>
       <p:ext uri="{BB962C8B-B14F-4D97-AF65-F5344CB8AC3E}">
-        <p14:creationId xmlns:p14="http://schemas.microsoft.com/office/powerpoint/2010/main" val="258455137"/>
+        <p14:creationId xmlns:p14="http://schemas.microsoft.com/office/powerpoint/2010/main" val="2751649388"/>
       </p:ext>
     </p:extLst>
   </p:cSld>
@@ -5169,7 +5956,7 @@
         </p:nvSpPr>
         <p:spPr>
           <a:xfrm>
-            <a:off x="1915316" y="423223"/>
+            <a:off x="1915317" y="232154"/>
             <a:ext cx="8361363" cy="552450"/>
           </a:xfrm>
         </p:spPr>
@@ -5182,319 +5969,92 @@
             <a:pPr algn="ctr"/>
             <a:r>
               <a:rPr lang="en-US" sz="4400" dirty="0"/>
-              <a:t>LAHF AND SAHF INSTRUCTION</a:t>
-            </a:r>
-          </a:p>
-        </p:txBody>
-      </p:sp>
-      <p:sp>
-        <p:nvSpPr>
-          <p:cNvPr id="8" name="Subtitle 2">
+              <a:t>CONT.</a:t>
+            </a:r>
+          </a:p>
+        </p:txBody>
+      </p:sp>
+      <p:sp>
+        <p:nvSpPr>
+          <p:cNvPr id="3" name="Subtitle 2">
             <a:extLst>
               <a:ext uri="{FF2B5EF4-FFF2-40B4-BE49-F238E27FC236}">
-                <a16:creationId xmlns:a16="http://schemas.microsoft.com/office/drawing/2014/main" id="{51C26741-38F0-45A8-9997-18B3DD9ED276}"/>
+                <a16:creationId xmlns:a16="http://schemas.microsoft.com/office/drawing/2014/main" id="{E536BDF3-8BC3-4705-A0E0-23EED5878F87}"/>
               </a:ext>
             </a:extLst>
           </p:cNvPr>
-          <p:cNvSpPr txBox="1">
-            <a:spLocks/>
-          </p:cNvSpPr>
-          <p:nvPr/>
+          <p:cNvSpPr>
+            <a:spLocks noGrp="1"/>
+          </p:cNvSpPr>
+          <p:nvPr>
+            <p:ph type="subTitle" idx="4294967295"/>
+          </p:nvPr>
         </p:nvSpPr>
         <p:spPr>
           <a:xfrm>
-            <a:off x="1109661" y="1091821"/>
-            <a:ext cx="9972675" cy="5131558"/>
+            <a:off x="1109662" y="1326356"/>
+            <a:ext cx="9972675" cy="4205287"/>
           </a:xfrm>
-          <a:prstGeom prst="rect">
-            <a:avLst/>
-          </a:prstGeom>
         </p:spPr>
         <p:txBody>
-          <a:bodyPr vert="horz" lIns="0" tIns="45720" rIns="0" bIns="45720" rtlCol="0">
-            <a:noAutofit/>
+          <a:bodyPr>
+            <a:normAutofit/>
           </a:bodyPr>
-          <a:lstStyle>
-            <a:lvl1pPr marL="91440" indent="-91440" algn="l" defTabSz="914400" rtl="0" eaLnBrk="1" latinLnBrk="0" hangingPunct="1">
-              <a:lnSpc>
-                <a:spcPct val="90000"/>
-              </a:lnSpc>
-              <a:spcBef>
-                <a:spcPts val="1200"/>
-              </a:spcBef>
-              <a:spcAft>
-                <a:spcPts val="200"/>
-              </a:spcAft>
-              <a:buClr>
-                <a:schemeClr val="accent1"/>
-              </a:buClr>
-              <a:buSzPct val="100000"/>
-              <a:buFont typeface="Calibri" panose="020F0502020204030204" pitchFamily="34" charset="0"/>
-              <a:buChar char=" "/>
-              <a:defRPr sz="2000" kern="1200">
-                <a:solidFill>
-                  <a:schemeClr val="tx1">
-                    <a:lumMod val="75000"/>
-                    <a:lumOff val="25000"/>
-                  </a:schemeClr>
-                </a:solidFill>
-                <a:latin typeface="+mn-lt"/>
-                <a:ea typeface="+mn-ea"/>
-                <a:cs typeface="+mn-cs"/>
-              </a:defRPr>
-            </a:lvl1pPr>
-            <a:lvl2pPr marL="384048" indent="-182880" algn="l" defTabSz="914400" rtl="0" eaLnBrk="1" latinLnBrk="0" hangingPunct="1">
-              <a:lnSpc>
-                <a:spcPct val="90000"/>
-              </a:lnSpc>
-              <a:spcBef>
-                <a:spcPts val="200"/>
-              </a:spcBef>
-              <a:spcAft>
-                <a:spcPts val="400"/>
-              </a:spcAft>
-              <a:buClr>
-                <a:schemeClr val="accent1"/>
-              </a:buClr>
-              <a:buFont typeface="Calibri" pitchFamily="34" charset="0"/>
-              <a:buChar char="◦"/>
-              <a:defRPr sz="1800" kern="1200">
-                <a:solidFill>
-                  <a:schemeClr val="tx1">
-                    <a:lumMod val="75000"/>
-                    <a:lumOff val="25000"/>
-                  </a:schemeClr>
-                </a:solidFill>
-                <a:latin typeface="+mn-lt"/>
-                <a:ea typeface="+mn-ea"/>
-                <a:cs typeface="+mn-cs"/>
-              </a:defRPr>
-            </a:lvl2pPr>
-            <a:lvl3pPr marL="566928" indent="-182880" algn="l" defTabSz="914400" rtl="0" eaLnBrk="1" latinLnBrk="0" hangingPunct="1">
-              <a:lnSpc>
-                <a:spcPct val="90000"/>
-              </a:lnSpc>
-              <a:spcBef>
-                <a:spcPts val="200"/>
-              </a:spcBef>
-              <a:spcAft>
-                <a:spcPts val="400"/>
-              </a:spcAft>
-              <a:buClr>
-                <a:schemeClr val="accent1"/>
-              </a:buClr>
-              <a:buFont typeface="Calibri" pitchFamily="34" charset="0"/>
-              <a:buChar char="◦"/>
-              <a:defRPr sz="1400" kern="1200">
-                <a:solidFill>
-                  <a:schemeClr val="tx1">
-                    <a:lumMod val="75000"/>
-                    <a:lumOff val="25000"/>
-                  </a:schemeClr>
-                </a:solidFill>
-                <a:latin typeface="+mn-lt"/>
-                <a:ea typeface="+mn-ea"/>
-                <a:cs typeface="+mn-cs"/>
-              </a:defRPr>
-            </a:lvl3pPr>
-            <a:lvl4pPr marL="749808" indent="-182880" algn="l" defTabSz="914400" rtl="0" eaLnBrk="1" latinLnBrk="0" hangingPunct="1">
-              <a:lnSpc>
-                <a:spcPct val="90000"/>
-              </a:lnSpc>
-              <a:spcBef>
-                <a:spcPts val="200"/>
-              </a:spcBef>
-              <a:spcAft>
-                <a:spcPts val="400"/>
-              </a:spcAft>
-              <a:buClr>
-                <a:schemeClr val="accent1"/>
-              </a:buClr>
-              <a:buFont typeface="Calibri" pitchFamily="34" charset="0"/>
-              <a:buChar char="◦"/>
-              <a:defRPr sz="1400" kern="1200">
-                <a:solidFill>
-                  <a:schemeClr val="tx1">
-                    <a:lumMod val="75000"/>
-                    <a:lumOff val="25000"/>
-                  </a:schemeClr>
-                </a:solidFill>
-                <a:latin typeface="+mn-lt"/>
-                <a:ea typeface="+mn-ea"/>
-                <a:cs typeface="+mn-cs"/>
-              </a:defRPr>
-            </a:lvl4pPr>
-            <a:lvl5pPr marL="932688" indent="-182880" algn="l" defTabSz="914400" rtl="0" eaLnBrk="1" latinLnBrk="0" hangingPunct="1">
-              <a:lnSpc>
-                <a:spcPct val="90000"/>
-              </a:lnSpc>
-              <a:spcBef>
-                <a:spcPts val="200"/>
-              </a:spcBef>
-              <a:spcAft>
-                <a:spcPts val="400"/>
-              </a:spcAft>
-              <a:buClr>
-                <a:schemeClr val="accent1"/>
-              </a:buClr>
-              <a:buFont typeface="Calibri" pitchFamily="34" charset="0"/>
-              <a:buChar char="◦"/>
-              <a:defRPr sz="1400" kern="1200">
-                <a:solidFill>
-                  <a:schemeClr val="tx1">
-                    <a:lumMod val="75000"/>
-                    <a:lumOff val="25000"/>
-                  </a:schemeClr>
-                </a:solidFill>
-                <a:latin typeface="+mn-lt"/>
-                <a:ea typeface="+mn-ea"/>
-                <a:cs typeface="+mn-cs"/>
-              </a:defRPr>
-            </a:lvl5pPr>
-            <a:lvl6pPr marL="1100000" indent="-228600" algn="l" defTabSz="914400" rtl="0" eaLnBrk="1" latinLnBrk="0" hangingPunct="1">
-              <a:lnSpc>
-                <a:spcPct val="90000"/>
-              </a:lnSpc>
-              <a:spcBef>
-                <a:spcPts val="200"/>
-              </a:spcBef>
-              <a:spcAft>
-                <a:spcPts val="400"/>
-              </a:spcAft>
-              <a:buClr>
-                <a:schemeClr val="accent1"/>
-              </a:buClr>
-              <a:buFont typeface="Calibri" pitchFamily="34" charset="0"/>
-              <a:buChar char="◦"/>
-              <a:defRPr sz="1400" kern="1200">
-                <a:solidFill>
-                  <a:schemeClr val="tx1">
-                    <a:lumMod val="75000"/>
-                    <a:lumOff val="25000"/>
-                  </a:schemeClr>
-                </a:solidFill>
-                <a:latin typeface="+mn-lt"/>
-                <a:ea typeface="+mn-ea"/>
-                <a:cs typeface="+mn-cs"/>
-              </a:defRPr>
-            </a:lvl6pPr>
-            <a:lvl7pPr marL="1300000" indent="-228600" algn="l" defTabSz="914400" rtl="0" eaLnBrk="1" latinLnBrk="0" hangingPunct="1">
-              <a:lnSpc>
-                <a:spcPct val="90000"/>
-              </a:lnSpc>
-              <a:spcBef>
-                <a:spcPts val="200"/>
-              </a:spcBef>
-              <a:spcAft>
-                <a:spcPts val="400"/>
-              </a:spcAft>
-              <a:buClr>
-                <a:schemeClr val="accent1"/>
-              </a:buClr>
-              <a:buFont typeface="Calibri" pitchFamily="34" charset="0"/>
-              <a:buChar char="◦"/>
-              <a:defRPr sz="1400" kern="1200">
-                <a:solidFill>
-                  <a:schemeClr val="tx1">
-                    <a:lumMod val="75000"/>
-                    <a:lumOff val="25000"/>
-                  </a:schemeClr>
-                </a:solidFill>
-                <a:latin typeface="+mn-lt"/>
-                <a:ea typeface="+mn-ea"/>
-                <a:cs typeface="+mn-cs"/>
-              </a:defRPr>
-            </a:lvl7pPr>
-            <a:lvl8pPr marL="1500000" indent="-228600" algn="l" defTabSz="914400" rtl="0" eaLnBrk="1" latinLnBrk="0" hangingPunct="1">
-              <a:lnSpc>
-                <a:spcPct val="90000"/>
-              </a:lnSpc>
-              <a:spcBef>
-                <a:spcPts val="200"/>
-              </a:spcBef>
-              <a:spcAft>
-                <a:spcPts val="400"/>
-              </a:spcAft>
-              <a:buClr>
-                <a:schemeClr val="accent1"/>
-              </a:buClr>
-              <a:buFont typeface="Calibri" pitchFamily="34" charset="0"/>
-              <a:buChar char="◦"/>
-              <a:defRPr sz="1400" kern="1200">
-                <a:solidFill>
-                  <a:schemeClr val="tx1">
-                    <a:lumMod val="75000"/>
-                    <a:lumOff val="25000"/>
-                  </a:schemeClr>
-                </a:solidFill>
-                <a:latin typeface="+mn-lt"/>
-                <a:ea typeface="+mn-ea"/>
-                <a:cs typeface="+mn-cs"/>
-              </a:defRPr>
-            </a:lvl8pPr>
-            <a:lvl9pPr marL="1700000" indent="-228600" algn="l" defTabSz="914400" rtl="0" eaLnBrk="1" latinLnBrk="0" hangingPunct="1">
-              <a:lnSpc>
-                <a:spcPct val="90000"/>
-              </a:lnSpc>
-              <a:spcBef>
-                <a:spcPts val="200"/>
-              </a:spcBef>
-              <a:spcAft>
-                <a:spcPts val="400"/>
-              </a:spcAft>
-              <a:buClr>
-                <a:schemeClr val="accent1"/>
-              </a:buClr>
-              <a:buFont typeface="Calibri" pitchFamily="34" charset="0"/>
-              <a:buChar char="◦"/>
-              <a:defRPr sz="1400" kern="1200">
-                <a:solidFill>
-                  <a:schemeClr val="tx1">
-                    <a:lumMod val="75000"/>
-                    <a:lumOff val="25000"/>
-                  </a:schemeClr>
-                </a:solidFill>
-                <a:latin typeface="+mn-lt"/>
-                <a:ea typeface="+mn-ea"/>
-                <a:cs typeface="+mn-cs"/>
-              </a:defRPr>
-            </a:lvl9pPr>
-          </a:lstStyle>
-          <a:p>
-            <a:pPr marL="0" indent="0">
-              <a:buNone/>
+          <a:lstStyle/>
+          <a:p>
+            <a:pPr marL="749808" lvl="1" indent="-457200">
+              <a:buFont typeface="Arial" panose="020B0604020202020204" pitchFamily="34" charset="0"/>
+              <a:buChar char="•"/>
             </a:pPr>
             <a:r>
-              <a:rPr lang="en-US" sz="1200" dirty="0">
-                <a:solidFill>
-                  <a:schemeClr val="tx2"/>
-                </a:solidFill>
-                <a:latin typeface="Tahoma" panose="020B0604030504040204" pitchFamily="34" charset="0"/>
-                <a:ea typeface="Tahoma" panose="020B0604030504040204" pitchFamily="34" charset="0"/>
-                <a:cs typeface="Tahoma" panose="020B0604030504040204" pitchFamily="34" charset="0"/>
-              </a:rPr>
-              <a:t>LAHF //LOAD LOW-BYTE OF EFLAGS/RFLAGS (SIGN, ZERO, AUXILIARY, PARITY, CARRY) INTO AH REGISTER, AH IS THE HIGH-BYTE OF EAX</a:t>
-            </a:r>
-          </a:p>
-          <a:p>
-            <a:pPr marL="0" indent="0">
-              <a:buNone/>
+              <a:rPr lang="en-US" sz="1400" b="1" dirty="0">
+                <a:latin typeface="Tahoma" panose="020B0604030504040204" pitchFamily="34" charset="0"/>
+                <a:ea typeface="Tahoma" panose="020B0604030504040204" pitchFamily="34" charset="0"/>
+                <a:cs typeface="Tahoma" panose="020B0604030504040204" pitchFamily="34" charset="0"/>
+              </a:rPr>
+              <a:t>TYPE </a:t>
+            </a:r>
+            <a:r>
+              <a:rPr lang="en-US" sz="1400" dirty="0">
+                <a:latin typeface="Tahoma" panose="020B0604030504040204" pitchFamily="34" charset="0"/>
+                <a:ea typeface="Tahoma" panose="020B0604030504040204" pitchFamily="34" charset="0"/>
+                <a:cs typeface="Tahoma" panose="020B0604030504040204" pitchFamily="34" charset="0"/>
+              </a:rPr>
+              <a:t>//GIVES SIZE</a:t>
+            </a:r>
+          </a:p>
+          <a:p>
+            <a:pPr marL="932688" lvl="2" indent="-457200">
+              <a:buFont typeface="Arial" panose="020B0604020202020204" pitchFamily="34" charset="0"/>
+              <a:buChar char="•"/>
             </a:pPr>
             <a:r>
-              <a:rPr lang="en-US" sz="1200" dirty="0">
-                <a:solidFill>
-                  <a:schemeClr val="tx2"/>
-                </a:solidFill>
-                <a:latin typeface="Tahoma" panose="020B0604030504040204" pitchFamily="34" charset="0"/>
-                <a:ea typeface="Tahoma" panose="020B0604030504040204" pitchFamily="34" charset="0"/>
-                <a:cs typeface="Tahoma" panose="020B0604030504040204" pitchFamily="34" charset="0"/>
-              </a:rPr>
-              <a:t>SAHF //LOAD AH INTO LOW-BYTE OF EFLAGS/RFLAGS</a:t>
-            </a:r>
-          </a:p>
-          <a:p>
-            <a:pPr marL="0" indent="0">
-              <a:buNone/>
+              <a:rPr lang="en-US" dirty="0">
+                <a:latin typeface="Tahoma" panose="020B0604030504040204" pitchFamily="34" charset="0"/>
+                <a:ea typeface="Tahoma" panose="020B0604030504040204" pitchFamily="34" charset="0"/>
+                <a:cs typeface="Tahoma" panose="020B0604030504040204" pitchFamily="34" charset="0"/>
+              </a:rPr>
+              <a:t>NUM1 BYTE 10 		//8-BIT</a:t>
+            </a:r>
+          </a:p>
+          <a:p>
+            <a:pPr marL="932688" lvl="2" indent="-457200">
+              <a:buFont typeface="Arial" panose="020B0604020202020204" pitchFamily="34" charset="0"/>
+              <a:buChar char="•"/>
+            </a:pPr>
+            <a:r>
+              <a:rPr lang="en-US" dirty="0">
+                <a:latin typeface="Tahoma" panose="020B0604030504040204" pitchFamily="34" charset="0"/>
+                <a:ea typeface="Tahoma" panose="020B0604030504040204" pitchFamily="34" charset="0"/>
+                <a:cs typeface="Tahoma" panose="020B0604030504040204" pitchFamily="34" charset="0"/>
+              </a:rPr>
+              <a:t>MOV EAX, TYPE NUM1		//EAX = 1</a:t>
+            </a:r>
+          </a:p>
+          <a:p>
+            <a:pPr marL="457200" indent="-457200" algn="l">
+              <a:buFont typeface="Arial" panose="020B0604020202020204" pitchFamily="34" charset="0"/>
+              <a:buChar char="•"/>
             </a:pPr>
             <a:endParaRPr lang="en-US" sz="1400" dirty="0">
               <a:solidFill>
@@ -5506,25 +6066,7 @@
             </a:endParaRPr>
           </a:p>
           <a:p>
-            <a:pPr marL="0" indent="0">
-              <a:buNone/>
-            </a:pPr>
-            <a:r>
-              <a:rPr lang="en-US" sz="1600" i="1" dirty="0">
-                <a:solidFill>
-                  <a:schemeClr val="tx2"/>
-                </a:solidFill>
-                <a:latin typeface="Tahoma" panose="020B0604030504040204" pitchFamily="34" charset="0"/>
-                <a:ea typeface="Tahoma" panose="020B0604030504040204" pitchFamily="34" charset="0"/>
-                <a:cs typeface="Tahoma" panose="020B0604030504040204" pitchFamily="34" charset="0"/>
-              </a:rPr>
-              <a:t>WHY BOTHER?</a:t>
-            </a:r>
-          </a:p>
-          <a:p>
-            <a:pPr marL="0" indent="0">
-              <a:buNone/>
-            </a:pPr>
+            <a:pPr algn="l"/>
             <a:endParaRPr lang="en-US" sz="1400" dirty="0">
               <a:solidFill>
                 <a:schemeClr val="tx2"/>
@@ -5534,326 +6076,12 @@
               <a:cs typeface="Tahoma" panose="020B0604030504040204" pitchFamily="34" charset="0"/>
             </a:endParaRPr>
           </a:p>
-          <a:p>
-            <a:pPr marL="0" indent="0">
-              <a:buNone/>
-            </a:pPr>
-            <a:r>
-              <a:rPr lang="en-US" sz="1200" dirty="0">
-                <a:solidFill>
-                  <a:schemeClr val="tx2"/>
-                </a:solidFill>
-                <a:latin typeface="Tahoma" panose="020B0604030504040204" pitchFamily="34" charset="0"/>
-                <a:ea typeface="Tahoma" panose="020B0604030504040204" pitchFamily="34" charset="0"/>
-                <a:cs typeface="Tahoma" panose="020B0604030504040204" pitchFamily="34" charset="0"/>
-              </a:rPr>
-              <a:t>SUPPOSE WE WANT TO DO SOMETHING, LOOKING AT EFLAGS FOR 2 INSTRUCTIONS, BUT THIS EFLAGS KEEP CHANGING INSTRUCTION AFTER INSTRUCTION, WE NEED A WAY TO KEEP A TRACK OF THESE CHANGING EFLAGS.</a:t>
-            </a:r>
-          </a:p>
-          <a:p>
-            <a:pPr marL="0" indent="0">
-              <a:buNone/>
-            </a:pPr>
-            <a:r>
-              <a:rPr lang="en-US" sz="1200" dirty="0">
-                <a:solidFill>
-                  <a:schemeClr val="tx2"/>
-                </a:solidFill>
-                <a:latin typeface="Tahoma" panose="020B0604030504040204" pitchFamily="34" charset="0"/>
-                <a:ea typeface="Tahoma" panose="020B0604030504040204" pitchFamily="34" charset="0"/>
-                <a:cs typeface="Tahoma" panose="020B0604030504040204" pitchFamily="34" charset="0"/>
-              </a:rPr>
-              <a:t>	EXECUTE INSTRUCTION </a:t>
-            </a:r>
-            <a:r>
-              <a:rPr lang="en-US" sz="1200" b="1" dirty="0">
-                <a:solidFill>
-                  <a:srgbClr val="FFC000"/>
-                </a:solidFill>
-                <a:latin typeface="Tahoma" panose="020B0604030504040204" pitchFamily="34" charset="0"/>
-                <a:ea typeface="Tahoma" panose="020B0604030504040204" pitchFamily="34" charset="0"/>
-                <a:cs typeface="Tahoma" panose="020B0604030504040204" pitchFamily="34" charset="0"/>
-              </a:rPr>
-              <a:t>#1</a:t>
-            </a:r>
-            <a:r>
-              <a:rPr lang="en-US" sz="1200" dirty="0">
-                <a:solidFill>
-                  <a:schemeClr val="tx2"/>
-                </a:solidFill>
-                <a:latin typeface="Tahoma" panose="020B0604030504040204" pitchFamily="34" charset="0"/>
-                <a:ea typeface="Tahoma" panose="020B0604030504040204" pitchFamily="34" charset="0"/>
-                <a:cs typeface="Tahoma" panose="020B0604030504040204" pitchFamily="34" charset="0"/>
-              </a:rPr>
-              <a:t> //ELFAGS CHANGED</a:t>
-            </a:r>
-          </a:p>
-          <a:p>
-            <a:pPr marL="0" indent="0">
-              <a:buNone/>
-            </a:pPr>
-            <a:r>
-              <a:rPr lang="en-US" sz="1200" dirty="0">
-                <a:solidFill>
-                  <a:schemeClr val="tx2"/>
-                </a:solidFill>
-                <a:latin typeface="Tahoma" panose="020B0604030504040204" pitchFamily="34" charset="0"/>
-                <a:ea typeface="Tahoma" panose="020B0604030504040204" pitchFamily="34" charset="0"/>
-                <a:cs typeface="Tahoma" panose="020B0604030504040204" pitchFamily="34" charset="0"/>
-              </a:rPr>
-              <a:t>	SAVE EFLAGS INTO AH, STORE AH INTO </a:t>
-            </a:r>
-            <a:r>
-              <a:rPr lang="en-US" sz="1200" dirty="0">
-                <a:solidFill>
-                  <a:srgbClr val="FF0000"/>
-                </a:solidFill>
-                <a:latin typeface="Tahoma" panose="020B0604030504040204" pitchFamily="34" charset="0"/>
-                <a:ea typeface="Tahoma" panose="020B0604030504040204" pitchFamily="34" charset="0"/>
-                <a:cs typeface="Tahoma" panose="020B0604030504040204" pitchFamily="34" charset="0"/>
-              </a:rPr>
-              <a:t>NUM1</a:t>
-            </a:r>
-          </a:p>
-          <a:p>
-            <a:pPr marL="0" indent="0">
-              <a:buNone/>
-            </a:pPr>
-            <a:endParaRPr lang="en-US" sz="1200" dirty="0">
-              <a:solidFill>
-                <a:schemeClr val="tx2"/>
-              </a:solidFill>
-              <a:latin typeface="Tahoma" panose="020B0604030504040204" pitchFamily="34" charset="0"/>
-              <a:ea typeface="Tahoma" panose="020B0604030504040204" pitchFamily="34" charset="0"/>
-              <a:cs typeface="Tahoma" panose="020B0604030504040204" pitchFamily="34" charset="0"/>
-            </a:endParaRPr>
-          </a:p>
-          <a:p>
-            <a:pPr marL="0" indent="0">
-              <a:buNone/>
-            </a:pPr>
-            <a:r>
-              <a:rPr lang="en-US" sz="1200" dirty="0">
-                <a:solidFill>
-                  <a:schemeClr val="tx2"/>
-                </a:solidFill>
-                <a:latin typeface="Tahoma" panose="020B0604030504040204" pitchFamily="34" charset="0"/>
-                <a:ea typeface="Tahoma" panose="020B0604030504040204" pitchFamily="34" charset="0"/>
-                <a:cs typeface="Tahoma" panose="020B0604030504040204" pitchFamily="34" charset="0"/>
-              </a:rPr>
-              <a:t>	EXECUTE INSTRUCTION </a:t>
-            </a:r>
-            <a:r>
-              <a:rPr lang="en-US" sz="1200" b="1" dirty="0">
-                <a:solidFill>
-                  <a:srgbClr val="FFC000"/>
-                </a:solidFill>
-                <a:latin typeface="Tahoma" panose="020B0604030504040204" pitchFamily="34" charset="0"/>
-                <a:ea typeface="Tahoma" panose="020B0604030504040204" pitchFamily="34" charset="0"/>
-                <a:cs typeface="Tahoma" panose="020B0604030504040204" pitchFamily="34" charset="0"/>
-              </a:rPr>
-              <a:t>#2</a:t>
-            </a:r>
-            <a:r>
-              <a:rPr lang="en-US" sz="1200" dirty="0">
-                <a:solidFill>
-                  <a:schemeClr val="tx2"/>
-                </a:solidFill>
-                <a:latin typeface="Tahoma" panose="020B0604030504040204" pitchFamily="34" charset="0"/>
-                <a:ea typeface="Tahoma" panose="020B0604030504040204" pitchFamily="34" charset="0"/>
-                <a:cs typeface="Tahoma" panose="020B0604030504040204" pitchFamily="34" charset="0"/>
-              </a:rPr>
-              <a:t> //EFLAGS CHANGED</a:t>
-            </a:r>
-          </a:p>
-          <a:p>
-            <a:pPr marL="0" indent="0">
-              <a:buNone/>
-            </a:pPr>
-            <a:r>
-              <a:rPr lang="en-US" sz="1200" dirty="0">
-                <a:solidFill>
-                  <a:schemeClr val="tx2"/>
-                </a:solidFill>
-                <a:latin typeface="Tahoma" panose="020B0604030504040204" pitchFamily="34" charset="0"/>
-                <a:ea typeface="Tahoma" panose="020B0604030504040204" pitchFamily="34" charset="0"/>
-                <a:cs typeface="Tahoma" panose="020B0604030504040204" pitchFamily="34" charset="0"/>
-              </a:rPr>
-              <a:t>	SAVE ELFAGS INTO AH, STORE AH INTO </a:t>
-            </a:r>
-            <a:r>
-              <a:rPr lang="en-US" sz="1200" dirty="0">
-                <a:solidFill>
-                  <a:srgbClr val="0070C0"/>
-                </a:solidFill>
-                <a:latin typeface="Tahoma" panose="020B0604030504040204" pitchFamily="34" charset="0"/>
-                <a:ea typeface="Tahoma" panose="020B0604030504040204" pitchFamily="34" charset="0"/>
-                <a:cs typeface="Tahoma" panose="020B0604030504040204" pitchFamily="34" charset="0"/>
-              </a:rPr>
-              <a:t>NUM2</a:t>
-            </a:r>
-          </a:p>
-          <a:p>
-            <a:pPr marL="0" indent="0">
-              <a:buNone/>
-            </a:pPr>
-            <a:endParaRPr lang="en-US" sz="1200" dirty="0">
-              <a:solidFill>
-                <a:schemeClr val="tx2"/>
-              </a:solidFill>
-              <a:latin typeface="Tahoma" panose="020B0604030504040204" pitchFamily="34" charset="0"/>
-              <a:ea typeface="Tahoma" panose="020B0604030504040204" pitchFamily="34" charset="0"/>
-              <a:cs typeface="Tahoma" panose="020B0604030504040204" pitchFamily="34" charset="0"/>
-            </a:endParaRPr>
-          </a:p>
-          <a:p>
-            <a:pPr marL="0" indent="0">
-              <a:buNone/>
-            </a:pPr>
-            <a:r>
-              <a:rPr lang="en-US" sz="1200" dirty="0">
-                <a:solidFill>
-                  <a:schemeClr val="tx2"/>
-                </a:solidFill>
-                <a:latin typeface="Tahoma" panose="020B0604030504040204" pitchFamily="34" charset="0"/>
-                <a:ea typeface="Tahoma" panose="020B0604030504040204" pitchFamily="34" charset="0"/>
-                <a:cs typeface="Tahoma" panose="020B0604030504040204" pitchFamily="34" charset="0"/>
-              </a:rPr>
-              <a:t>	IF </a:t>
-            </a:r>
-            <a:r>
-              <a:rPr lang="en-US" sz="1200" dirty="0">
-                <a:solidFill>
-                  <a:srgbClr val="FF0000"/>
-                </a:solidFill>
-                <a:latin typeface="Tahoma" panose="020B0604030504040204" pitchFamily="34" charset="0"/>
-                <a:ea typeface="Tahoma" panose="020B0604030504040204" pitchFamily="34" charset="0"/>
-                <a:cs typeface="Tahoma" panose="020B0604030504040204" pitchFamily="34" charset="0"/>
-              </a:rPr>
-              <a:t>NUM1</a:t>
-            </a:r>
-            <a:r>
-              <a:rPr lang="en-US" sz="1200" dirty="0">
-                <a:solidFill>
-                  <a:schemeClr val="tx2"/>
-                </a:solidFill>
-                <a:latin typeface="Tahoma" panose="020B0604030504040204" pitchFamily="34" charset="0"/>
-                <a:ea typeface="Tahoma" panose="020B0604030504040204" pitchFamily="34" charset="0"/>
-                <a:cs typeface="Tahoma" panose="020B0604030504040204" pitchFamily="34" charset="0"/>
-              </a:rPr>
-              <a:t> = </a:t>
-            </a:r>
-            <a:r>
-              <a:rPr lang="en-US" sz="1200" dirty="0">
-                <a:solidFill>
-                  <a:srgbClr val="0070C0"/>
-                </a:solidFill>
-                <a:latin typeface="Tahoma" panose="020B0604030504040204" pitchFamily="34" charset="0"/>
-                <a:ea typeface="Tahoma" panose="020B0604030504040204" pitchFamily="34" charset="0"/>
-                <a:cs typeface="Tahoma" panose="020B0604030504040204" pitchFamily="34" charset="0"/>
-              </a:rPr>
-              <a:t>NUM2</a:t>
-            </a:r>
-            <a:endParaRPr lang="en-US" sz="1200" dirty="0">
-              <a:solidFill>
-                <a:schemeClr val="tx2"/>
-              </a:solidFill>
-              <a:latin typeface="Tahoma" panose="020B0604030504040204" pitchFamily="34" charset="0"/>
-              <a:ea typeface="Tahoma" panose="020B0604030504040204" pitchFamily="34" charset="0"/>
-              <a:cs typeface="Tahoma" panose="020B0604030504040204" pitchFamily="34" charset="0"/>
-            </a:endParaRPr>
-          </a:p>
-          <a:p>
-            <a:pPr marL="0" indent="0">
-              <a:buNone/>
-            </a:pPr>
-            <a:r>
-              <a:rPr lang="en-US" sz="1200" dirty="0">
-                <a:solidFill>
-                  <a:schemeClr val="tx2"/>
-                </a:solidFill>
-                <a:latin typeface="Tahoma" panose="020B0604030504040204" pitchFamily="34" charset="0"/>
-                <a:ea typeface="Tahoma" panose="020B0604030504040204" pitchFamily="34" charset="0"/>
-                <a:cs typeface="Tahoma" panose="020B0604030504040204" pitchFamily="34" charset="0"/>
-              </a:rPr>
-              <a:t>		EXECUTE INSTRUCTION </a:t>
-            </a:r>
-            <a:r>
-              <a:rPr lang="en-US" sz="1200" b="1" dirty="0">
-                <a:solidFill>
-                  <a:srgbClr val="FFC000"/>
-                </a:solidFill>
-                <a:latin typeface="Tahoma" panose="020B0604030504040204" pitchFamily="34" charset="0"/>
-                <a:ea typeface="Tahoma" panose="020B0604030504040204" pitchFamily="34" charset="0"/>
-                <a:cs typeface="Tahoma" panose="020B0604030504040204" pitchFamily="34" charset="0"/>
-              </a:rPr>
-              <a:t>#3</a:t>
-            </a:r>
-            <a:r>
-              <a:rPr lang="en-US" sz="1200" dirty="0">
-                <a:solidFill>
-                  <a:schemeClr val="tx2"/>
-                </a:solidFill>
-                <a:latin typeface="Tahoma" panose="020B0604030504040204" pitchFamily="34" charset="0"/>
-                <a:ea typeface="Tahoma" panose="020B0604030504040204" pitchFamily="34" charset="0"/>
-                <a:cs typeface="Tahoma" panose="020B0604030504040204" pitchFamily="34" charset="0"/>
-              </a:rPr>
-              <a:t> // HOPE YOU GOT THE POINT, WHY USE LAHF AND SAHF INSTRUCTIONS?</a:t>
-            </a:r>
-          </a:p>
-        </p:txBody>
-      </p:sp>
-      <p:pic>
-        <p:nvPicPr>
-          <p:cNvPr id="9" name="Picture 4" descr="Related image">
-            <a:extLst>
-              <a:ext uri="{FF2B5EF4-FFF2-40B4-BE49-F238E27FC236}">
-                <a16:creationId xmlns:a16="http://schemas.microsoft.com/office/drawing/2014/main" id="{20B7D812-B0F3-40F2-927A-7BAD75E8E49A}"/>
-              </a:ext>
-            </a:extLst>
-          </p:cNvPr>
-          <p:cNvPicPr>
-            <a:picLocks noChangeAspect="1" noChangeArrowheads="1"/>
-          </p:cNvPicPr>
-          <p:nvPr/>
-        </p:nvPicPr>
-        <p:blipFill>
-          <a:blip r:embed="rId2">
-            <a:extLst>
-              <a:ext uri="{28A0092B-C50C-407E-A947-70E740481C1C}">
-                <a14:useLocalDpi xmlns:a14="http://schemas.microsoft.com/office/drawing/2010/main" val="0"/>
-              </a:ext>
-            </a:extLst>
-          </a:blip>
-          <a:srcRect/>
-          <a:stretch>
-            <a:fillRect/>
-          </a:stretch>
-        </p:blipFill>
-        <p:spPr bwMode="auto">
-          <a:xfrm>
-            <a:off x="6096000" y="1898326"/>
-            <a:ext cx="979057" cy="735692"/>
-          </a:xfrm>
-          <a:prstGeom prst="rect">
-            <a:avLst/>
-          </a:prstGeom>
-          <a:noFill/>
-          <a:extLst>
-            <a:ext uri="{909E8E84-426E-40DD-AFC4-6F175D3DCCD1}">
-              <a14:hiddenFill xmlns:a14="http://schemas.microsoft.com/office/drawing/2010/main">
-                <a:solidFill>
-                  <a:srgbClr val="FFFFFF"/>
-                </a:solidFill>
-              </a14:hiddenFill>
-            </a:ext>
-          </a:extLst>
-        </p:spPr>
-      </p:pic>
+        </p:txBody>
+      </p:sp>
     </p:spTree>
     <p:extLst>
       <p:ext uri="{BB962C8B-B14F-4D97-AF65-F5344CB8AC3E}">
-        <p14:creationId xmlns:p14="http://schemas.microsoft.com/office/powerpoint/2010/main" val="3668110711"/>
+        <p14:creationId xmlns:p14="http://schemas.microsoft.com/office/powerpoint/2010/main" val="3489836850"/>
       </p:ext>
     </p:extLst>
   </p:cSld>
@@ -5905,13 +6133,13 @@
             <a:spLocks noGrp="1"/>
           </p:cNvSpPr>
           <p:nvPr>
-            <p:ph type="ctrTitle"/>
+            <p:ph type="ctrTitle" idx="4294967295"/>
           </p:nvPr>
         </p:nvSpPr>
         <p:spPr>
           <a:xfrm>
-            <a:off x="1915128" y="409433"/>
-            <a:ext cx="8361229" cy="552468"/>
+            <a:off x="1915317" y="232154"/>
+            <a:ext cx="8361363" cy="552450"/>
           </a:xfrm>
         </p:spPr>
         <p:txBody>
@@ -5923,7 +6151,7 @@
             <a:pPr algn="ctr"/>
             <a:r>
               <a:rPr lang="en-US" sz="4400" dirty="0"/>
-              <a:t>XCHG INSTRUCTION</a:t>
+              <a:t>CONT.</a:t>
             </a:r>
           </a:p>
         </p:txBody>
@@ -5941,13 +6169,13 @@
             <a:spLocks noGrp="1"/>
           </p:cNvSpPr>
           <p:nvPr>
-            <p:ph type="subTitle" idx="1"/>
+            <p:ph type="subTitle" idx="4294967295"/>
           </p:nvPr>
         </p:nvSpPr>
         <p:spPr>
           <a:xfrm>
-            <a:off x="1150351" y="1227701"/>
-            <a:ext cx="9972574" cy="3124163"/>
+            <a:off x="1109662" y="1326356"/>
+            <a:ext cx="9972675" cy="4205287"/>
           </a:xfrm>
         </p:spPr>
         <p:txBody>
@@ -5956,35 +6184,67 @@
           </a:bodyPr>
           <a:lstStyle/>
           <a:p>
-            <a:pPr marL="457200" indent="-457200" algn="l">
+            <a:pPr marL="749808" lvl="1" indent="-457200">
               <a:buFont typeface="Arial" panose="020B0604020202020204" pitchFamily="34" charset="0"/>
               <a:buChar char="•"/>
             </a:pPr>
             <a:r>
+              <a:rPr lang="en-US" sz="1400" b="1" dirty="0">
+                <a:latin typeface="Tahoma" panose="020B0604030504040204" pitchFamily="34" charset="0"/>
+                <a:ea typeface="Tahoma" panose="020B0604030504040204" pitchFamily="34" charset="0"/>
+                <a:cs typeface="Tahoma" panose="020B0604030504040204" pitchFamily="34" charset="0"/>
+              </a:rPr>
+              <a:t>SIZEOF</a:t>
+            </a:r>
+            <a:r>
               <a:rPr lang="en-US" sz="1400" dirty="0">
                 <a:latin typeface="Tahoma" panose="020B0604030504040204" pitchFamily="34" charset="0"/>
                 <a:ea typeface="Tahoma" panose="020B0604030504040204" pitchFamily="34" charset="0"/>
                 <a:cs typeface="Tahoma" panose="020B0604030504040204" pitchFamily="34" charset="0"/>
               </a:rPr>
-              <a:t>ITS LIKE MOV BUT SWAPS THE VALUES</a:t>
-            </a:r>
-          </a:p>
-          <a:p>
-            <a:pPr marL="914400" lvl="1" indent="-457200" algn="l">
+              <a:t> //PRODUCT OF </a:t>
+            </a:r>
+            <a:r>
+              <a:rPr lang="en-US" sz="1400" b="1" dirty="0">
+                <a:latin typeface="Tahoma" panose="020B0604030504040204" pitchFamily="34" charset="0"/>
+                <a:ea typeface="Tahoma" panose="020B0604030504040204" pitchFamily="34" charset="0"/>
+                <a:cs typeface="Tahoma" panose="020B0604030504040204" pitchFamily="34" charset="0"/>
+              </a:rPr>
+              <a:t>LENGTOF</a:t>
+            </a:r>
+            <a:r>
+              <a:rPr lang="en-US" sz="1400" dirty="0">
+                <a:latin typeface="Tahoma" panose="020B0604030504040204" pitchFamily="34" charset="0"/>
+                <a:ea typeface="Tahoma" panose="020B0604030504040204" pitchFamily="34" charset="0"/>
+                <a:cs typeface="Tahoma" panose="020B0604030504040204" pitchFamily="34" charset="0"/>
+              </a:rPr>
+              <a:t> * </a:t>
+            </a:r>
+            <a:r>
+              <a:rPr lang="en-US" sz="1400" b="1" dirty="0">
+                <a:latin typeface="Tahoma" panose="020B0604030504040204" pitchFamily="34" charset="0"/>
+                <a:ea typeface="Tahoma" panose="020B0604030504040204" pitchFamily="34" charset="0"/>
+                <a:cs typeface="Tahoma" panose="020B0604030504040204" pitchFamily="34" charset="0"/>
+              </a:rPr>
+              <a:t>TYPE</a:t>
+            </a:r>
+          </a:p>
+          <a:p>
+            <a:pPr marL="932688" lvl="2" indent="-457200">
               <a:buFont typeface="Arial" panose="020B0604020202020204" pitchFamily="34" charset="0"/>
               <a:buChar char="•"/>
             </a:pPr>
             <a:r>
-              <a:rPr lang="en-US" sz="1400" dirty="0">
-                <a:latin typeface="Tahoma" panose="020B0604030504040204" pitchFamily="34" charset="0"/>
-                <a:ea typeface="Tahoma" panose="020B0604030504040204" pitchFamily="34" charset="0"/>
-                <a:cs typeface="Tahoma" panose="020B0604030504040204" pitchFamily="34" charset="0"/>
-              </a:rPr>
-              <a:t>MOV REGISTER, REGISTER	//MOV EAX, EBX</a:t>
-            </a:r>
-          </a:p>
-          <a:p>
-            <a:pPr marL="914400" lvl="1" indent="-457200" algn="l">
+              <a:rPr lang="en-US" dirty="0">
+                <a:latin typeface="Tahoma" panose="020B0604030504040204" pitchFamily="34" charset="0"/>
+                <a:ea typeface="Tahoma" panose="020B0604030504040204" pitchFamily="34" charset="0"/>
+                <a:cs typeface="Tahoma" panose="020B0604030504040204" pitchFamily="34" charset="0"/>
+              </a:rPr>
+              <a:t>NUMARRAY BYTE 10, 20</a:t>
+            </a:r>
+          </a:p>
+          <a:p>
+            <a:pPr marL="932688" lvl="2" indent="-457200">
               <a:buFont typeface="Arial" panose="020B0604020202020204" pitchFamily="34" charset="0"/>
               <a:buChar char="•"/>
             </a:pPr>
@@ -5994,93 +6254,7 @@
                 <a:ea typeface="Tahoma" panose="020B0604030504040204" pitchFamily="34" charset="0"/>
                 <a:cs typeface="Tahoma" panose="020B0604030504040204" pitchFamily="34" charset="0"/>
               </a:rPr>
-              <a:t>MOV MEMORY, REGISTER	//MOV NUM1, EAX</a:t>
-            </a:r>
-          </a:p>
-          <a:p>
-            <a:pPr marL="914400" lvl="1" indent="-457200" algn="l">
-              <a:buFont typeface="Arial" panose="020B0604020202020204" pitchFamily="34" charset="0"/>
-              <a:buChar char="•"/>
-            </a:pPr>
-            <a:r>
-              <a:rPr lang="en-US" sz="1400" dirty="0">
-                <a:latin typeface="Tahoma" panose="020B0604030504040204" pitchFamily="34" charset="0"/>
-                <a:ea typeface="Tahoma" panose="020B0604030504040204" pitchFamily="34" charset="0"/>
-                <a:cs typeface="Tahoma" panose="020B0604030504040204" pitchFamily="34" charset="0"/>
-              </a:rPr>
-              <a:t>MOV REGISTER, MEMORY	//MOV EAX, NUM1</a:t>
-            </a:r>
-          </a:p>
-          <a:p>
-            <a:pPr marL="914400" lvl="1" indent="-457200" algn="l">
-              <a:buFont typeface="Arial" panose="020B0604020202020204" pitchFamily="34" charset="0"/>
-              <a:buChar char="•"/>
-            </a:pPr>
-            <a:r>
-              <a:rPr lang="en-US" sz="1400" dirty="0">
-                <a:solidFill>
-                  <a:srgbClr val="FF0000"/>
-                </a:solidFill>
-                <a:latin typeface="Tahoma" panose="020B0604030504040204" pitchFamily="34" charset="0"/>
-                <a:ea typeface="Tahoma" panose="020B0604030504040204" pitchFamily="34" charset="0"/>
-                <a:cs typeface="Tahoma" panose="020B0604030504040204" pitchFamily="34" charset="0"/>
-              </a:rPr>
-              <a:t>MOV MEMORY, VALUE	</a:t>
-            </a:r>
-            <a:r>
-              <a:rPr lang="en-US" sz="1400" dirty="0">
-                <a:latin typeface="Tahoma" panose="020B0604030504040204" pitchFamily="34" charset="0"/>
-                <a:ea typeface="Tahoma" panose="020B0604030504040204" pitchFamily="34" charset="0"/>
-                <a:cs typeface="Tahoma" panose="020B0604030504040204" pitchFamily="34" charset="0"/>
-              </a:rPr>
-              <a:t>	</a:t>
-            </a:r>
-            <a:r>
-              <a:rPr lang="en-US" sz="1400" dirty="0">
-                <a:solidFill>
-                  <a:srgbClr val="FF0000"/>
-                </a:solidFill>
-                <a:latin typeface="Tahoma" panose="020B0604030504040204" pitchFamily="34" charset="0"/>
-                <a:ea typeface="Tahoma" panose="020B0604030504040204" pitchFamily="34" charset="0"/>
-                <a:cs typeface="Tahoma" panose="020B0604030504040204" pitchFamily="34" charset="0"/>
-              </a:rPr>
-              <a:t>//DOESN’T WORK</a:t>
-            </a:r>
-          </a:p>
-          <a:p>
-            <a:pPr marL="914400" lvl="1" indent="-457200" algn="l">
-              <a:buFont typeface="Arial" panose="020B0604020202020204" pitchFamily="34" charset="0"/>
-              <a:buChar char="•"/>
-            </a:pPr>
-            <a:r>
-              <a:rPr lang="en-US" sz="1400" dirty="0">
-                <a:solidFill>
-                  <a:srgbClr val="FF0000"/>
-                </a:solidFill>
-                <a:latin typeface="Tahoma" panose="020B0604030504040204" pitchFamily="34" charset="0"/>
-                <a:ea typeface="Tahoma" panose="020B0604030504040204" pitchFamily="34" charset="0"/>
-                <a:cs typeface="Tahoma" panose="020B0604030504040204" pitchFamily="34" charset="0"/>
-              </a:rPr>
-              <a:t>MOV REGISTER, VALUE</a:t>
-            </a:r>
-            <a:r>
-              <a:rPr lang="en-US" sz="1400" dirty="0">
-                <a:latin typeface="Tahoma" panose="020B0604030504040204" pitchFamily="34" charset="0"/>
-                <a:ea typeface="Tahoma" panose="020B0604030504040204" pitchFamily="34" charset="0"/>
-                <a:cs typeface="Tahoma" panose="020B0604030504040204" pitchFamily="34" charset="0"/>
-              </a:rPr>
-              <a:t>	</a:t>
-            </a:r>
-            <a:r>
-              <a:rPr lang="en-US" sz="1400" dirty="0">
-                <a:solidFill>
-                  <a:srgbClr val="FF0000"/>
-                </a:solidFill>
-                <a:latin typeface="Tahoma" panose="020B0604030504040204" pitchFamily="34" charset="0"/>
-                <a:ea typeface="Tahoma" panose="020B0604030504040204" pitchFamily="34" charset="0"/>
-                <a:cs typeface="Tahoma" panose="020B0604030504040204" pitchFamily="34" charset="0"/>
-              </a:rPr>
-              <a:t>//DOESN’T WORK</a:t>
+              <a:t>MOV EAX, SIZEOF NUMARRAY 	//EAX = 2 (BYTES)</a:t>
             </a:r>
           </a:p>
           <a:p>
@@ -6089,25 +6263,6 @@
               <a:buChar char="•"/>
             </a:pPr>
             <a:endParaRPr lang="en-US" sz="1400" dirty="0">
-              <a:latin typeface="Tahoma" panose="020B0604030504040204" pitchFamily="34" charset="0"/>
-              <a:ea typeface="Tahoma" panose="020B0604030504040204" pitchFamily="34" charset="0"/>
-              <a:cs typeface="Tahoma" panose="020B0604030504040204" pitchFamily="34" charset="0"/>
-            </a:endParaRPr>
-          </a:p>
-          <a:p>
-            <a:pPr algn="l"/>
-            <a:endParaRPr lang="en-US" sz="1400" dirty="0">
-              <a:latin typeface="Tahoma" panose="020B0604030504040204" pitchFamily="34" charset="0"/>
-              <a:ea typeface="Tahoma" panose="020B0604030504040204" pitchFamily="34" charset="0"/>
-              <a:cs typeface="Tahoma" panose="020B0604030504040204" pitchFamily="34" charset="0"/>
-            </a:endParaRPr>
-          </a:p>
-          <a:p>
-            <a:pPr marL="457200" indent="-457200" algn="l">
-              <a:buFont typeface="Arial" panose="020B0604020202020204" pitchFamily="34" charset="0"/>
-              <a:buChar char="•"/>
-            </a:pPr>
-            <a:endParaRPr lang="en-US" sz="4300" dirty="0">
               <a:solidFill>
                 <a:schemeClr val="tx2"/>
               </a:solidFill>
@@ -6118,7 +6273,7 @@
           </a:p>
           <a:p>
             <a:pPr algn="l"/>
-            <a:endParaRPr lang="en-US" sz="2000" dirty="0">
+            <a:endParaRPr lang="en-US" sz="1400" dirty="0">
               <a:solidFill>
                 <a:schemeClr val="tx2"/>
               </a:solidFill>
@@ -6132,7 +6287,7 @@
     </p:spTree>
     <p:extLst>
       <p:ext uri="{BB962C8B-B14F-4D97-AF65-F5344CB8AC3E}">
-        <p14:creationId xmlns:p14="http://schemas.microsoft.com/office/powerpoint/2010/main" val="4204702065"/>
+        <p14:creationId xmlns:p14="http://schemas.microsoft.com/office/powerpoint/2010/main" val="2907414673"/>
       </p:ext>
     </p:extLst>
   </p:cSld>
@@ -6184,13 +6339,13 @@
             <a:spLocks noGrp="1"/>
           </p:cNvSpPr>
           <p:nvPr>
-            <p:ph type="ctrTitle"/>
+            <p:ph type="ctrTitle" idx="4294967295"/>
           </p:nvPr>
         </p:nvSpPr>
         <p:spPr>
           <a:xfrm>
-            <a:off x="1915128" y="409433"/>
-            <a:ext cx="8361229" cy="552468"/>
+            <a:off x="1915317" y="232154"/>
+            <a:ext cx="8361363" cy="552450"/>
           </a:xfrm>
         </p:spPr>
         <p:txBody>
@@ -6202,7 +6357,7 @@
             <a:pPr algn="ctr"/>
             <a:r>
               <a:rPr lang="en-US" sz="4400" dirty="0"/>
-              <a:t>EFFECTIVE ADDRESSING</a:t>
+              <a:t>CONT.</a:t>
             </a:r>
           </a:p>
         </p:txBody>
@@ -6220,13 +6375,13 @@
             <a:spLocks noGrp="1"/>
           </p:cNvSpPr>
           <p:nvPr>
-            <p:ph type="subTitle" idx="1"/>
+            <p:ph type="subTitle" idx="4294967295"/>
           </p:nvPr>
         </p:nvSpPr>
         <p:spPr>
           <a:xfrm>
-            <a:off x="1150351" y="1227701"/>
-            <a:ext cx="9972574" cy="3124163"/>
+            <a:off x="1109662" y="1326356"/>
+            <a:ext cx="9972675" cy="4205287"/>
           </a:xfrm>
         </p:spPr>
         <p:txBody>
@@ -6235,93 +6390,209 @@
           </a:bodyPr>
           <a:lstStyle/>
           <a:p>
-            <a:pPr marL="457200" indent="-457200" algn="l">
+            <a:pPr marL="749808" lvl="1" indent="-457200">
               <a:buFont typeface="Arial" panose="020B0604020202020204" pitchFamily="34" charset="0"/>
               <a:buChar char="•"/>
             </a:pPr>
             <a:r>
+              <a:rPr lang="en-US" sz="1400" b="1" dirty="0">
+                <a:latin typeface="Tahoma" panose="020B0604030504040204" pitchFamily="34" charset="0"/>
+                <a:ea typeface="Tahoma" panose="020B0604030504040204" pitchFamily="34" charset="0"/>
+                <a:cs typeface="Tahoma" panose="020B0604030504040204" pitchFamily="34" charset="0"/>
+              </a:rPr>
+              <a:t>LABEL </a:t>
+            </a:r>
+            <a:r>
               <a:rPr lang="en-US" sz="1400" dirty="0">
                 <a:latin typeface="Tahoma" panose="020B0604030504040204" pitchFamily="34" charset="0"/>
                 <a:ea typeface="Tahoma" panose="020B0604030504040204" pitchFamily="34" charset="0"/>
                 <a:cs typeface="Tahoma" panose="020B0604030504040204" pitchFamily="34" charset="0"/>
               </a:rPr>
-              <a:t>ACCESSING ELEMENTS IN AN ARRY //CONTIGUOUS MEMORY LOCATIONSDF</a:t>
-            </a:r>
-          </a:p>
-          <a:p>
-            <a:pPr marL="457200" indent="-457200" algn="l">
+              <a:t>//CREATING ALIAS FOR THE SAME STORAGE LOCATION</a:t>
+            </a:r>
+          </a:p>
+          <a:p>
+            <a:pPr marL="932688" lvl="2" indent="-457200">
               <a:buFont typeface="Arial" panose="020B0604020202020204" pitchFamily="34" charset="0"/>
               <a:buChar char="•"/>
             </a:pPr>
             <a:r>
-              <a:rPr lang="en-US" sz="1400" dirty="0">
-                <a:latin typeface="Tahoma" panose="020B0604030504040204" pitchFamily="34" charset="0"/>
-                <a:ea typeface="Tahoma" panose="020B0604030504040204" pitchFamily="34" charset="0"/>
-                <a:cs typeface="Tahoma" panose="020B0604030504040204" pitchFamily="34" charset="0"/>
-              </a:rPr>
-              <a:t>MYARRAY dWORD 10, 20, 30</a:t>
-            </a:r>
-          </a:p>
-          <a:p>
-            <a:pPr marL="914400" lvl="1" indent="-457200" algn="l">
+              <a:rPr lang="en-US" dirty="0">
+                <a:latin typeface="Tahoma" panose="020B0604030504040204" pitchFamily="34" charset="0"/>
+                <a:ea typeface="Tahoma" panose="020B0604030504040204" pitchFamily="34" charset="0"/>
+                <a:cs typeface="Tahoma" panose="020B0604030504040204" pitchFamily="34" charset="0"/>
+              </a:rPr>
+              <a:t>MYLABEL LABEL BYTE</a:t>
+            </a:r>
+          </a:p>
+          <a:p>
+            <a:pPr marL="932688" lvl="2" indent="-457200">
               <a:buFont typeface="Arial" panose="020B0604020202020204" pitchFamily="34" charset="0"/>
               <a:buChar char="•"/>
             </a:pPr>
             <a:r>
-              <a:rPr lang="en-US" sz="1400" dirty="0">
-                <a:solidFill>
-                  <a:schemeClr val="tx1"/>
-                </a:solidFill>
-                <a:latin typeface="Tahoma" panose="020B0604030504040204" pitchFamily="34" charset="0"/>
-                <a:ea typeface="Tahoma" panose="020B0604030504040204" pitchFamily="34" charset="0"/>
-                <a:cs typeface="Tahoma" panose="020B0604030504040204" pitchFamily="34" charset="0"/>
-              </a:rPr>
-              <a:t>MOV EAX, MYARRAY 		//GET 10</a:t>
-            </a:r>
-          </a:p>
-          <a:p>
-            <a:pPr marL="914400" lvl="1" indent="-457200" algn="l">
+              <a:rPr lang="en-US" dirty="0">
+                <a:latin typeface="Tahoma" panose="020B0604030504040204" pitchFamily="34" charset="0"/>
+                <a:ea typeface="Tahoma" panose="020B0604030504040204" pitchFamily="34" charset="0"/>
+                <a:cs typeface="Tahoma" panose="020B0604030504040204" pitchFamily="34" charset="0"/>
+              </a:rPr>
+              <a:t>NUM1 WORD 1234H</a:t>
+            </a:r>
+          </a:p>
+          <a:p>
+            <a:pPr marL="932688" lvl="2" indent="-457200">
               <a:buFont typeface="Arial" panose="020B0604020202020204" pitchFamily="34" charset="0"/>
               <a:buChar char="•"/>
             </a:pPr>
             <a:r>
-              <a:rPr lang="en-US" sz="1400" dirty="0">
-                <a:solidFill>
-                  <a:schemeClr val="tx1"/>
-                </a:solidFill>
-                <a:latin typeface="Tahoma" panose="020B0604030504040204" pitchFamily="34" charset="0"/>
-                <a:ea typeface="Tahoma" panose="020B0604030504040204" pitchFamily="34" charset="0"/>
-                <a:cs typeface="Tahoma" panose="020B0604030504040204" pitchFamily="34" charset="0"/>
-              </a:rPr>
-              <a:t>MOV EAX, MYARRAY+1 	//GET 20</a:t>
-            </a:r>
-          </a:p>
-          <a:p>
-            <a:pPr marL="914400" lvl="1" indent="-457200" algn="l">
+              <a:rPr lang="en-US" dirty="0">
+                <a:latin typeface="Tahoma" panose="020B0604030504040204" pitchFamily="34" charset="0"/>
+                <a:ea typeface="Tahoma" panose="020B0604030504040204" pitchFamily="34" charset="0"/>
+                <a:cs typeface="Tahoma" panose="020B0604030504040204" pitchFamily="34" charset="0"/>
+              </a:rPr>
+              <a:t>XOR EAX, EAX		//CLEAR OUT EAX</a:t>
+            </a:r>
+          </a:p>
+          <a:p>
+            <a:pPr marL="932688" lvl="2" indent="-457200">
               <a:buFont typeface="Arial" panose="020B0604020202020204" pitchFamily="34" charset="0"/>
               <a:buChar char="•"/>
             </a:pPr>
             <a:r>
-              <a:rPr lang="en-US" sz="1400" dirty="0">
+              <a:rPr lang="en-US" dirty="0">
+                <a:latin typeface="Tahoma" panose="020B0604030504040204" pitchFamily="34" charset="0"/>
+                <a:ea typeface="Tahoma" panose="020B0604030504040204" pitchFamily="34" charset="0"/>
+                <a:cs typeface="Tahoma" panose="020B0604030504040204" pitchFamily="34" charset="0"/>
+              </a:rPr>
+              <a:t>MOV AL, MYLABEL		//EAX = 00000034 (LITTLE ENDING, </a:t>
+            </a:r>
+            <a:r>
+              <a:rPr lang="en-US" dirty="0">
                 <a:solidFill>
-                  <a:schemeClr val="tx1"/>
+                  <a:srgbClr val="0070C0"/>
                 </a:solidFill>
                 <a:latin typeface="Tahoma" panose="020B0604030504040204" pitchFamily="34" charset="0"/>
                 <a:ea typeface="Tahoma" panose="020B0604030504040204" pitchFamily="34" charset="0"/>
                 <a:cs typeface="Tahoma" panose="020B0604030504040204" pitchFamily="34" charset="0"/>
               </a:rPr>
-              <a:t>MOV EAX, [MYARRAY+1]	//GET 20, </a:t>
-            </a:r>
-            <a:r>
-              <a:rPr lang="en-US" sz="1400" dirty="0">
+              <a:t>AL</a:t>
+            </a:r>
+            <a:r>
+              <a:rPr lang="en-US" dirty="0">
+                <a:latin typeface="Tahoma" panose="020B0604030504040204" pitchFamily="34" charset="0"/>
+                <a:ea typeface="Tahoma" panose="020B0604030504040204" pitchFamily="34" charset="0"/>
+                <a:cs typeface="Tahoma" panose="020B0604030504040204" pitchFamily="34" charset="0"/>
+              </a:rPr>
+              <a:t> IS </a:t>
+            </a:r>
+            <a:r>
+              <a:rPr lang="en-US" dirty="0">
                 <a:solidFill>
-                  <a:srgbClr val="00B0F0"/>
+                  <a:srgbClr val="0070C0"/>
                 </a:solidFill>
                 <a:latin typeface="Tahoma" panose="020B0604030504040204" pitchFamily="34" charset="0"/>
                 <a:ea typeface="Tahoma" panose="020B0604030504040204" pitchFamily="34" charset="0"/>
                 <a:cs typeface="Tahoma" panose="020B0604030504040204" pitchFamily="34" charset="0"/>
               </a:rPr>
-              <a:t>USE THIS FOR CODE CLARITY WHILE USING ARRAY</a:t>
+              <a:t>LOW BYTE </a:t>
+            </a:r>
+            <a:r>
+              <a:rPr lang="en-US" dirty="0">
+                <a:latin typeface="Tahoma" panose="020B0604030504040204" pitchFamily="34" charset="0"/>
+                <a:ea typeface="Tahoma" panose="020B0604030504040204" pitchFamily="34" charset="0"/>
+                <a:cs typeface="Tahoma" panose="020B0604030504040204" pitchFamily="34" charset="0"/>
+              </a:rPr>
+              <a:t>OF </a:t>
+            </a:r>
+            <a:r>
+              <a:rPr lang="en-US" dirty="0">
+                <a:solidFill>
+                  <a:srgbClr val="FF0000"/>
+                </a:solidFill>
+                <a:latin typeface="Tahoma" panose="020B0604030504040204" pitchFamily="34" charset="0"/>
+                <a:ea typeface="Tahoma" panose="020B0604030504040204" pitchFamily="34" charset="0"/>
+                <a:cs typeface="Tahoma" panose="020B0604030504040204" pitchFamily="34" charset="0"/>
+              </a:rPr>
+              <a:t>AX</a:t>
+            </a:r>
+            <a:r>
+              <a:rPr lang="en-US" dirty="0">
+                <a:latin typeface="Tahoma" panose="020B0604030504040204" pitchFamily="34" charset="0"/>
+                <a:ea typeface="Tahoma" panose="020B0604030504040204" pitchFamily="34" charset="0"/>
+                <a:cs typeface="Tahoma" panose="020B0604030504040204" pitchFamily="34" charset="0"/>
+              </a:rPr>
+              <a:t>)</a:t>
+            </a:r>
+          </a:p>
+          <a:p>
+            <a:pPr marL="932688" lvl="2" indent="-457200">
+              <a:buFont typeface="Arial" panose="020B0604020202020204" pitchFamily="34" charset="0"/>
+              <a:buChar char="•"/>
+            </a:pPr>
+            <a:r>
+              <a:rPr lang="en-US" dirty="0">
+                <a:latin typeface="Tahoma" panose="020B0604030504040204" pitchFamily="34" charset="0"/>
+                <a:ea typeface="Tahoma" panose="020B0604030504040204" pitchFamily="34" charset="0"/>
+                <a:cs typeface="Tahoma" panose="020B0604030504040204" pitchFamily="34" charset="0"/>
+              </a:rPr>
+              <a:t>MOV AH, [MYLABEL+1]  	//EAX = 00001234 (LITTLE ENDIAN, </a:t>
+            </a:r>
+            <a:r>
+              <a:rPr lang="en-US" dirty="0">
+                <a:solidFill>
+                  <a:srgbClr val="00B050"/>
+                </a:solidFill>
+                <a:latin typeface="Tahoma" panose="020B0604030504040204" pitchFamily="34" charset="0"/>
+                <a:ea typeface="Tahoma" panose="020B0604030504040204" pitchFamily="34" charset="0"/>
+                <a:cs typeface="Tahoma" panose="020B0604030504040204" pitchFamily="34" charset="0"/>
+              </a:rPr>
+              <a:t>AH</a:t>
+            </a:r>
+            <a:r>
+              <a:rPr lang="en-US" dirty="0">
+                <a:latin typeface="Tahoma" panose="020B0604030504040204" pitchFamily="34" charset="0"/>
+                <a:ea typeface="Tahoma" panose="020B0604030504040204" pitchFamily="34" charset="0"/>
+                <a:cs typeface="Tahoma" panose="020B0604030504040204" pitchFamily="34" charset="0"/>
+              </a:rPr>
+              <a:t> IS </a:t>
+            </a:r>
+            <a:r>
+              <a:rPr lang="en-US" dirty="0">
+                <a:solidFill>
+                  <a:srgbClr val="00B050"/>
+                </a:solidFill>
+                <a:latin typeface="Tahoma" panose="020B0604030504040204" pitchFamily="34" charset="0"/>
+                <a:ea typeface="Tahoma" panose="020B0604030504040204" pitchFamily="34" charset="0"/>
+                <a:cs typeface="Tahoma" panose="020B0604030504040204" pitchFamily="34" charset="0"/>
+              </a:rPr>
+              <a:t>HIGH BYTE </a:t>
+            </a:r>
+            <a:r>
+              <a:rPr lang="en-US" dirty="0">
+                <a:latin typeface="Tahoma" panose="020B0604030504040204" pitchFamily="34" charset="0"/>
+                <a:ea typeface="Tahoma" panose="020B0604030504040204" pitchFamily="34" charset="0"/>
+                <a:cs typeface="Tahoma" panose="020B0604030504040204" pitchFamily="34" charset="0"/>
+              </a:rPr>
+              <a:t>OF </a:t>
+            </a:r>
+            <a:r>
+              <a:rPr lang="en-US" dirty="0">
+                <a:solidFill>
+                  <a:srgbClr val="FF0000"/>
+                </a:solidFill>
+                <a:latin typeface="Tahoma" panose="020B0604030504040204" pitchFamily="34" charset="0"/>
+                <a:ea typeface="Tahoma" panose="020B0604030504040204" pitchFamily="34" charset="0"/>
+                <a:cs typeface="Tahoma" panose="020B0604030504040204" pitchFamily="34" charset="0"/>
+              </a:rPr>
+              <a:t>AX</a:t>
+            </a:r>
+            <a:r>
+              <a:rPr lang="en-US" dirty="0">
+                <a:latin typeface="Tahoma" panose="020B0604030504040204" pitchFamily="34" charset="0"/>
+                <a:ea typeface="Tahoma" panose="020B0604030504040204" pitchFamily="34" charset="0"/>
+                <a:cs typeface="Tahoma" panose="020B0604030504040204" pitchFamily="34" charset="0"/>
+              </a:rPr>
+              <a:t>)</a:t>
             </a:r>
           </a:p>
           <a:p>
@@ -6330,25 +6601,6 @@
               <a:buChar char="•"/>
             </a:pPr>
             <a:endParaRPr lang="en-US" sz="1400" dirty="0">
-              <a:latin typeface="Tahoma" panose="020B0604030504040204" pitchFamily="34" charset="0"/>
-              <a:ea typeface="Tahoma" panose="020B0604030504040204" pitchFamily="34" charset="0"/>
-              <a:cs typeface="Tahoma" panose="020B0604030504040204" pitchFamily="34" charset="0"/>
-            </a:endParaRPr>
-          </a:p>
-          <a:p>
-            <a:pPr algn="l"/>
-            <a:endParaRPr lang="en-US" sz="1400" dirty="0">
-              <a:latin typeface="Tahoma" panose="020B0604030504040204" pitchFamily="34" charset="0"/>
-              <a:ea typeface="Tahoma" panose="020B0604030504040204" pitchFamily="34" charset="0"/>
-              <a:cs typeface="Tahoma" panose="020B0604030504040204" pitchFamily="34" charset="0"/>
-            </a:endParaRPr>
-          </a:p>
-          <a:p>
-            <a:pPr marL="457200" indent="-457200" algn="l">
-              <a:buFont typeface="Arial" panose="020B0604020202020204" pitchFamily="34" charset="0"/>
-              <a:buChar char="•"/>
-            </a:pPr>
-            <a:endParaRPr lang="en-US" sz="4300" dirty="0">
               <a:solidFill>
                 <a:schemeClr val="tx2"/>
               </a:solidFill>
@@ -6359,7 +6611,7 @@
           </a:p>
           <a:p>
             <a:pPr algn="l"/>
-            <a:endParaRPr lang="en-US" sz="2000" dirty="0">
+            <a:endParaRPr lang="en-US" sz="1400" dirty="0">
               <a:solidFill>
                 <a:schemeClr val="tx2"/>
               </a:solidFill>
@@ -6373,7 +6625,7 @@
     </p:spTree>
     <p:extLst>
       <p:ext uri="{BB962C8B-B14F-4D97-AF65-F5344CB8AC3E}">
-        <p14:creationId xmlns:p14="http://schemas.microsoft.com/office/powerpoint/2010/main" val="2348835388"/>
+        <p14:creationId xmlns:p14="http://schemas.microsoft.com/office/powerpoint/2010/main" val="637408775"/>
       </p:ext>
     </p:extLst>
   </p:cSld>
@@ -6430,75 +6682,215 @@
         </p:nvSpPr>
         <p:spPr>
           <a:xfrm>
-            <a:off x="1600993" y="267909"/>
-            <a:ext cx="8361363" cy="641728"/>
+            <a:off x="1915317" y="232154"/>
+            <a:ext cx="8361363" cy="552450"/>
           </a:xfrm>
         </p:spPr>
         <p:txBody>
           <a:bodyPr>
-            <a:noAutofit/>
+            <a:normAutofit fontScale="90000"/>
           </a:bodyPr>
           <a:lstStyle/>
           <a:p>
             <a:pPr algn="ctr"/>
             <a:r>
-              <a:rPr lang="en-US" sz="4000" dirty="0"/>
-              <a:t>I KNOW ASSEMBLY!</a:t>
-            </a:r>
-          </a:p>
-        </p:txBody>
-      </p:sp>
-      <p:pic>
-        <p:nvPicPr>
-          <p:cNvPr id="1026" name="Picture 2" descr="Woman Punching Red Heavy Bag">
+              <a:rPr lang="en-US" sz="4400" dirty="0"/>
+              <a:t>CONT.</a:t>
+            </a:r>
+          </a:p>
+        </p:txBody>
+      </p:sp>
+      <p:sp>
+        <p:nvSpPr>
+          <p:cNvPr id="3" name="Subtitle 2">
             <a:extLst>
               <a:ext uri="{FF2B5EF4-FFF2-40B4-BE49-F238E27FC236}">
-                <a16:creationId xmlns:a16="http://schemas.microsoft.com/office/drawing/2014/main" id="{CA3F7B5B-7EEC-4E9F-83D2-C661BACF4DF7}"/>
+                <a16:creationId xmlns:a16="http://schemas.microsoft.com/office/drawing/2014/main" id="{E536BDF3-8BC3-4705-A0E0-23EED5878F87}"/>
               </a:ext>
             </a:extLst>
           </p:cNvPr>
-          <p:cNvPicPr>
-            <a:picLocks noChangeAspect="1" noChangeArrowheads="1"/>
-          </p:cNvPicPr>
-          <p:nvPr/>
-        </p:nvPicPr>
-        <p:blipFill>
-          <a:blip r:embed="rId2">
-            <a:extLst>
-              <a:ext uri="{28A0092B-C50C-407E-A947-70E740481C1C}">
-                <a14:useLocalDpi xmlns:a14="http://schemas.microsoft.com/office/drawing/2010/main" val="0"/>
-              </a:ext>
-            </a:extLst>
-          </a:blip>
-          <a:srcRect/>
-          <a:stretch>
-            <a:fillRect/>
-          </a:stretch>
-        </p:blipFill>
-        <p:spPr bwMode="auto">
+          <p:cNvSpPr>
+            <a:spLocks noGrp="1"/>
+          </p:cNvSpPr>
+          <p:nvPr>
+            <p:ph type="subTitle" idx="4294967295"/>
+          </p:nvPr>
+        </p:nvSpPr>
+        <p:spPr>
           <a:xfrm>
-            <a:off x="1915318" y="1242873"/>
-            <a:ext cx="8361363" cy="4705490"/>
+            <a:off x="1109662" y="1326356"/>
+            <a:ext cx="9972675" cy="4205287"/>
           </a:xfrm>
-          <a:prstGeom prst="rect">
-            <a:avLst/>
-          </a:prstGeom>
-          <a:noFill/>
-          <a:extLst>
-            <a:ext uri="{909E8E84-426E-40DD-AFC4-6F175D3DCCD1}">
-              <a14:hiddenFill xmlns:a14="http://schemas.microsoft.com/office/drawing/2010/main">
+        </p:spPr>
+        <p:txBody>
+          <a:bodyPr>
+            <a:normAutofit/>
+          </a:bodyPr>
+          <a:lstStyle/>
+          <a:p>
+            <a:pPr marL="749808" lvl="1" indent="-457200">
+              <a:buFont typeface="Arial" panose="020B0604020202020204" pitchFamily="34" charset="0"/>
+              <a:buChar char="•"/>
+            </a:pPr>
+            <a:r>
+              <a:rPr lang="en-US" sz="1400" b="1" dirty="0">
+                <a:latin typeface="Tahoma" panose="020B0604030504040204" pitchFamily="34" charset="0"/>
+                <a:ea typeface="Tahoma" panose="020B0604030504040204" pitchFamily="34" charset="0"/>
+                <a:cs typeface="Tahoma" panose="020B0604030504040204" pitchFamily="34" charset="0"/>
+              </a:rPr>
+              <a:t>PTR</a:t>
+            </a:r>
+            <a:r>
+              <a:rPr lang="en-US" sz="1400" dirty="0">
+                <a:latin typeface="Tahoma" panose="020B0604030504040204" pitchFamily="34" charset="0"/>
+                <a:ea typeface="Tahoma" panose="020B0604030504040204" pitchFamily="34" charset="0"/>
+                <a:cs typeface="Tahoma" panose="020B0604030504040204" pitchFamily="34" charset="0"/>
+              </a:rPr>
+              <a:t> //OVERRIDING DEFAULT SIZE OF AN OPERAND</a:t>
+            </a:r>
+          </a:p>
+          <a:p>
+            <a:pPr marL="932688" lvl="2" indent="-457200">
+              <a:buFont typeface="Arial" panose="020B0604020202020204" pitchFamily="34" charset="0"/>
+              <a:buChar char="•"/>
+            </a:pPr>
+            <a:r>
+              <a:rPr lang="en-US" dirty="0">
+                <a:latin typeface="Tahoma" panose="020B0604030504040204" pitchFamily="34" charset="0"/>
+                <a:ea typeface="Tahoma" panose="020B0604030504040204" pitchFamily="34" charset="0"/>
+                <a:cs typeface="Tahoma" panose="020B0604030504040204" pitchFamily="34" charset="0"/>
+              </a:rPr>
+              <a:t>NUM1 BYTE 10 		//8-BIT</a:t>
+            </a:r>
+          </a:p>
+          <a:p>
+            <a:pPr marL="932688" lvl="2" indent="-457200">
+              <a:buFont typeface="Arial" panose="020B0604020202020204" pitchFamily="34" charset="0"/>
+              <a:buChar char="•"/>
+            </a:pPr>
+            <a:r>
+              <a:rPr lang="en-US" dirty="0">
+                <a:latin typeface="Tahoma" panose="020B0604030504040204" pitchFamily="34" charset="0"/>
+                <a:ea typeface="Tahoma" panose="020B0604030504040204" pitchFamily="34" charset="0"/>
+                <a:cs typeface="Tahoma" panose="020B0604030504040204" pitchFamily="34" charset="0"/>
+              </a:rPr>
+              <a:t>MOV EAX, NUM1		</a:t>
+            </a:r>
+            <a:r>
+              <a:rPr lang="en-US" dirty="0">
                 <a:solidFill>
-                  <a:srgbClr val="FFFFFF"/>
+                  <a:srgbClr val="FF0000"/>
                 </a:solidFill>
-              </a14:hiddenFill>
-            </a:ext>
-          </a:extLst>
-        </p:spPr>
-      </p:pic>
+                <a:latin typeface="Tahoma" panose="020B0604030504040204" pitchFamily="34" charset="0"/>
+                <a:ea typeface="Tahoma" panose="020B0604030504040204" pitchFamily="34" charset="0"/>
+                <a:cs typeface="Tahoma" panose="020B0604030504040204" pitchFamily="34" charset="0"/>
+              </a:rPr>
+              <a:t>//ERROR</a:t>
+            </a:r>
+          </a:p>
+          <a:p>
+            <a:pPr marL="932688" lvl="2" indent="-457200">
+              <a:buFont typeface="Arial" panose="020B0604020202020204" pitchFamily="34" charset="0"/>
+              <a:buChar char="•"/>
+            </a:pPr>
+            <a:r>
+              <a:rPr lang="en-US" dirty="0">
+                <a:latin typeface="Tahoma" panose="020B0604030504040204" pitchFamily="34" charset="0"/>
+                <a:ea typeface="Tahoma" panose="020B0604030504040204" pitchFamily="34" charset="0"/>
+                <a:cs typeface="Tahoma" panose="020B0604030504040204" pitchFamily="34" charset="0"/>
+              </a:rPr>
+              <a:t>MOV EAX, DWORD PTR NUM1	//OK</a:t>
+            </a:r>
+          </a:p>
+          <a:p>
+            <a:pPr marL="932688" lvl="2" indent="-457200">
+              <a:buFont typeface="Arial" panose="020B0604020202020204" pitchFamily="34" charset="0"/>
+              <a:buChar char="•"/>
+            </a:pPr>
+            <a:r>
+              <a:rPr lang="en-US" dirty="0">
+                <a:latin typeface="Tahoma" panose="020B0604030504040204" pitchFamily="34" charset="0"/>
+                <a:ea typeface="Tahoma" panose="020B0604030504040204" pitchFamily="34" charset="0"/>
+                <a:cs typeface="Tahoma" panose="020B0604030504040204" pitchFamily="34" charset="0"/>
+              </a:rPr>
+              <a:t>NUMS BYTE </a:t>
+            </a:r>
+            <a:r>
+              <a:rPr lang="en-US" dirty="0">
+                <a:solidFill>
+                  <a:srgbClr val="0070C0"/>
+                </a:solidFill>
+                <a:latin typeface="Tahoma" panose="020B0604030504040204" pitchFamily="34" charset="0"/>
+                <a:ea typeface="Tahoma" panose="020B0604030504040204" pitchFamily="34" charset="0"/>
+                <a:cs typeface="Tahoma" panose="020B0604030504040204" pitchFamily="34" charset="0"/>
+              </a:rPr>
+              <a:t>0ah, 0bh</a:t>
+            </a:r>
+          </a:p>
+          <a:p>
+            <a:pPr marL="932688" lvl="2" indent="-457200">
+              <a:buFont typeface="Arial" panose="020B0604020202020204" pitchFamily="34" charset="0"/>
+              <a:buChar char="•"/>
+            </a:pPr>
+            <a:r>
+              <a:rPr lang="en-US" dirty="0">
+                <a:latin typeface="Tahoma" panose="020B0604030504040204" pitchFamily="34" charset="0"/>
+                <a:ea typeface="Tahoma" panose="020B0604030504040204" pitchFamily="34" charset="0"/>
+                <a:cs typeface="Tahoma" panose="020B0604030504040204" pitchFamily="34" charset="0"/>
+              </a:rPr>
+              <a:t>MOV EAX, DWORD PTR NUMS	//EAX = </a:t>
+            </a:r>
+            <a:r>
+              <a:rPr lang="en-US" b="1" dirty="0">
+                <a:solidFill>
+                  <a:srgbClr val="0070C0"/>
+                </a:solidFill>
+                <a:latin typeface="Tahoma" panose="020B0604030504040204" pitchFamily="34" charset="0"/>
+                <a:ea typeface="Tahoma" panose="020B0604030504040204" pitchFamily="34" charset="0"/>
+                <a:cs typeface="Tahoma" panose="020B0604030504040204" pitchFamily="34" charset="0"/>
+              </a:rPr>
+              <a:t>000b0a</a:t>
+            </a:r>
+            <a:r>
+              <a:rPr lang="en-US" dirty="0">
+                <a:latin typeface="Tahoma" panose="020B0604030504040204" pitchFamily="34" charset="0"/>
+                <a:ea typeface="Tahoma" panose="020B0604030504040204" pitchFamily="34" charset="0"/>
+                <a:cs typeface="Tahoma" panose="020B0604030504040204" pitchFamily="34" charset="0"/>
+              </a:rPr>
+              <a:t> (INTEL IS LITTLE-ENDIAN)</a:t>
+            </a:r>
+          </a:p>
+          <a:p>
+            <a:pPr marL="457200" indent="-457200" algn="l">
+              <a:buFont typeface="Arial" panose="020B0604020202020204" pitchFamily="34" charset="0"/>
+              <a:buChar char="•"/>
+            </a:pPr>
+            <a:endParaRPr lang="en-US" sz="1400" dirty="0">
+              <a:solidFill>
+                <a:schemeClr val="tx2"/>
+              </a:solidFill>
+              <a:latin typeface="Tahoma" panose="020B0604030504040204" pitchFamily="34" charset="0"/>
+              <a:ea typeface="Tahoma" panose="020B0604030504040204" pitchFamily="34" charset="0"/>
+              <a:cs typeface="Tahoma" panose="020B0604030504040204" pitchFamily="34" charset="0"/>
+            </a:endParaRPr>
+          </a:p>
+          <a:p>
+            <a:pPr algn="l"/>
+            <a:endParaRPr lang="en-US" sz="1400" dirty="0">
+              <a:solidFill>
+                <a:schemeClr val="tx2"/>
+              </a:solidFill>
+              <a:latin typeface="Tahoma" panose="020B0604030504040204" pitchFamily="34" charset="0"/>
+              <a:ea typeface="Tahoma" panose="020B0604030504040204" pitchFamily="34" charset="0"/>
+              <a:cs typeface="Tahoma" panose="020B0604030504040204" pitchFamily="34" charset="0"/>
+            </a:endParaRPr>
+          </a:p>
+        </p:txBody>
+      </p:sp>
     </p:spTree>
     <p:extLst>
       <p:ext uri="{BB962C8B-B14F-4D97-AF65-F5344CB8AC3E}">
-        <p14:creationId xmlns:p14="http://schemas.microsoft.com/office/powerpoint/2010/main" val="308112057"/>
+        <p14:creationId xmlns:p14="http://schemas.microsoft.com/office/powerpoint/2010/main" val="446321531"/>
       </p:ext>
     </p:extLst>
   </p:cSld>
@@ -6555,7 +6947,7 @@
         </p:nvSpPr>
         <p:spPr>
           <a:xfrm>
-            <a:off x="1150215" y="452531"/>
+            <a:off x="1915317" y="232154"/>
             <a:ext cx="8361363" cy="552450"/>
           </a:xfrm>
         </p:spPr>
@@ -6565,9 +6957,10 @@
           </a:bodyPr>
           <a:lstStyle/>
           <a:p>
+            <a:pPr algn="ctr"/>
             <a:r>
               <a:rPr lang="en-US" sz="4400" dirty="0"/>
-              <a:t>DEMO</a:t>
+              <a:t>CONT.</a:t>
             </a:r>
           </a:p>
         </p:txBody>
@@ -6590,8 +6983,8 @@
         </p:nvSpPr>
         <p:spPr>
           <a:xfrm>
-            <a:off x="1150300" y="1227138"/>
-            <a:ext cx="9972675" cy="4928002"/>
+            <a:off x="1109662" y="1326356"/>
+            <a:ext cx="9972675" cy="4205287"/>
           </a:xfrm>
         </p:spPr>
         <p:txBody>
@@ -6600,20 +6993,144 @@
           </a:bodyPr>
           <a:lstStyle/>
           <a:p>
-            <a:r>
-              <a:rPr lang="en-US" sz="1600" dirty="0">
+            <a:pPr marL="749808" lvl="1" indent="-457200">
+              <a:buFont typeface="Arial" panose="020B0604020202020204" pitchFamily="34" charset="0"/>
+              <a:buChar char="•"/>
+            </a:pPr>
+            <a:r>
+              <a:rPr lang="en-US" sz="1400" b="1" dirty="0">
+                <a:latin typeface="Tahoma" panose="020B0604030504040204" pitchFamily="34" charset="0"/>
+                <a:ea typeface="Tahoma" panose="020B0604030504040204" pitchFamily="34" charset="0"/>
+                <a:cs typeface="Tahoma" panose="020B0604030504040204" pitchFamily="34" charset="0"/>
+              </a:rPr>
+              <a:t>ALIGN</a:t>
+            </a:r>
+            <a:r>
+              <a:rPr lang="en-US" sz="1400" dirty="0">
+                <a:latin typeface="Tahoma" panose="020B0604030504040204" pitchFamily="34" charset="0"/>
+                <a:ea typeface="Tahoma" panose="020B0604030504040204" pitchFamily="34" charset="0"/>
+                <a:cs typeface="Tahoma" panose="020B0604030504040204" pitchFamily="34" charset="0"/>
+              </a:rPr>
+              <a:t> //CPU CAN PROCESS DATA STORED AT EVEN BYTES QUICKLY (COMPUTER ARCHITECTURE COURSE, TBD)</a:t>
+            </a:r>
+          </a:p>
+          <a:p>
+            <a:pPr marL="932688" lvl="2" indent="-457200">
+              <a:buFont typeface="Arial" panose="020B0604020202020204" pitchFamily="34" charset="0"/>
+              <a:buChar char="•"/>
+            </a:pPr>
+            <a:r>
+              <a:rPr lang="en-US" dirty="0">
+                <a:latin typeface="Tahoma" panose="020B0604030504040204" pitchFamily="34" charset="0"/>
+                <a:ea typeface="Tahoma" panose="020B0604030504040204" pitchFamily="34" charset="0"/>
+                <a:cs typeface="Tahoma" panose="020B0604030504040204" pitchFamily="34" charset="0"/>
+              </a:rPr>
+              <a:t>NUM1 BYTE 10 		//OFFSET 0X00400004</a:t>
+            </a:r>
+          </a:p>
+          <a:p>
+            <a:pPr marL="932688" lvl="2" indent="-457200">
+              <a:buFont typeface="Arial" panose="020B0604020202020204" pitchFamily="34" charset="0"/>
+              <a:buChar char="•"/>
+            </a:pPr>
+            <a:r>
+              <a:rPr lang="en-US" dirty="0">
+                <a:latin typeface="Tahoma" panose="020B0604030504040204" pitchFamily="34" charset="0"/>
+                <a:ea typeface="Tahoma" panose="020B0604030504040204" pitchFamily="34" charset="0"/>
+                <a:cs typeface="Tahoma" panose="020B0604030504040204" pitchFamily="34" charset="0"/>
+              </a:rPr>
+              <a:t>NUM1 BYTE 11 		//OFFSET </a:t>
+            </a:r>
+            <a:r>
+              <a:rPr lang="en-US" dirty="0">
                 <a:solidFill>
-                  <a:schemeClr val="tx2"/>
+                  <a:srgbClr val="FF0000"/>
                 </a:solidFill>
                 <a:latin typeface="Tahoma" panose="020B0604030504040204" pitchFamily="34" charset="0"/>
                 <a:ea typeface="Tahoma" panose="020B0604030504040204" pitchFamily="34" charset="0"/>
                 <a:cs typeface="Tahoma" panose="020B0604030504040204" pitchFamily="34" charset="0"/>
               </a:rPr>
-              <a:t>Even-odd</a:t>
-            </a:r>
-          </a:p>
-          <a:p>
-            <a:endParaRPr lang="en-US" sz="1600" dirty="0">
+              <a:t>0X00400005, SLOW ACCESS BY CPU</a:t>
+            </a:r>
+          </a:p>
+          <a:p>
+            <a:pPr marL="932688" lvl="2" indent="-457200">
+              <a:buFont typeface="Arial" panose="020B0604020202020204" pitchFamily="34" charset="0"/>
+              <a:buChar char="•"/>
+            </a:pPr>
+            <a:endParaRPr lang="en-US" dirty="0">
+              <a:latin typeface="Tahoma" panose="020B0604030504040204" pitchFamily="34" charset="0"/>
+              <a:ea typeface="Tahoma" panose="020B0604030504040204" pitchFamily="34" charset="0"/>
+              <a:cs typeface="Tahoma" panose="020B0604030504040204" pitchFamily="34" charset="0"/>
+            </a:endParaRPr>
+          </a:p>
+          <a:p>
+            <a:pPr marL="932688" lvl="2" indent="-457200">
+              <a:buFont typeface="Arial" panose="020B0604020202020204" pitchFamily="34" charset="0"/>
+              <a:buChar char="•"/>
+            </a:pPr>
+            <a:r>
+              <a:rPr lang="en-US" dirty="0">
+                <a:latin typeface="Tahoma" panose="020B0604030504040204" pitchFamily="34" charset="0"/>
+                <a:ea typeface="Tahoma" panose="020B0604030504040204" pitchFamily="34" charset="0"/>
+                <a:cs typeface="Tahoma" panose="020B0604030504040204" pitchFamily="34" charset="0"/>
+              </a:rPr>
+              <a:t>NUM1 BYTE 10 		//OFFSET 0X00400004</a:t>
+            </a:r>
+          </a:p>
+          <a:p>
+            <a:pPr marL="932688" lvl="2" indent="-457200">
+              <a:buFont typeface="Arial" panose="020B0604020202020204" pitchFamily="34" charset="0"/>
+              <a:buChar char="•"/>
+            </a:pPr>
+            <a:r>
+              <a:rPr lang="en-US" dirty="0">
+                <a:latin typeface="Tahoma" panose="020B0604030504040204" pitchFamily="34" charset="0"/>
+                <a:ea typeface="Tahoma" panose="020B0604030504040204" pitchFamily="34" charset="0"/>
+                <a:cs typeface="Tahoma" panose="020B0604030504040204" pitchFamily="34" charset="0"/>
+              </a:rPr>
+              <a:t>ALIGN 4 </a:t>
+            </a:r>
+          </a:p>
+          <a:p>
+            <a:pPr marL="932688" lvl="2" indent="-457200">
+              <a:buFont typeface="Arial" panose="020B0604020202020204" pitchFamily="34" charset="0"/>
+              <a:buChar char="•"/>
+            </a:pPr>
+            <a:r>
+              <a:rPr lang="en-US" dirty="0">
+                <a:latin typeface="Tahoma" panose="020B0604030504040204" pitchFamily="34" charset="0"/>
+                <a:ea typeface="Tahoma" panose="020B0604030504040204" pitchFamily="34" charset="0"/>
+                <a:cs typeface="Tahoma" panose="020B0604030504040204" pitchFamily="34" charset="0"/>
+              </a:rPr>
+              <a:t>NUM2 BYTE 11		//OFFSET </a:t>
+            </a:r>
+            <a:r>
+              <a:rPr lang="en-US" dirty="0">
+                <a:solidFill>
+                  <a:srgbClr val="0070C0"/>
+                </a:solidFill>
+                <a:latin typeface="Tahoma" panose="020B0604030504040204" pitchFamily="34" charset="0"/>
+                <a:ea typeface="Tahoma" panose="020B0604030504040204" pitchFamily="34" charset="0"/>
+                <a:cs typeface="Tahoma" panose="020B0604030504040204" pitchFamily="34" charset="0"/>
+              </a:rPr>
+              <a:t>0X00400008, FAST ACCESS BY CPU</a:t>
+            </a:r>
+          </a:p>
+          <a:p>
+            <a:pPr algn="l"/>
+            <a:endParaRPr lang="en-US" sz="1400" dirty="0">
+              <a:latin typeface="Tahoma" panose="020B0604030504040204" pitchFamily="34" charset="0"/>
+              <a:ea typeface="Tahoma" panose="020B0604030504040204" pitchFamily="34" charset="0"/>
+              <a:cs typeface="Tahoma" panose="020B0604030504040204" pitchFamily="34" charset="0"/>
+            </a:endParaRPr>
+          </a:p>
+          <a:p>
+            <a:pPr marL="457200" indent="-457200" algn="l">
+              <a:buFont typeface="Arial" panose="020B0604020202020204" pitchFamily="34" charset="0"/>
+              <a:buChar char="•"/>
+            </a:pPr>
+            <a:endParaRPr lang="en-US" sz="1400" dirty="0">
               <a:solidFill>
                 <a:schemeClr val="tx2"/>
               </a:solidFill>
@@ -6623,24 +7140,94 @@
             </a:endParaRPr>
           </a:p>
           <a:p>
-            <a:r>
-              <a:rPr lang="en-US" sz="1600" dirty="0">
-                <a:solidFill>
-                  <a:schemeClr val="tx2"/>
-                </a:solidFill>
-                <a:latin typeface="Tahoma" panose="020B0604030504040204" pitchFamily="34" charset="0"/>
-                <a:ea typeface="Tahoma" panose="020B0604030504040204" pitchFamily="34" charset="0"/>
-                <a:cs typeface="Tahoma" panose="020B0604030504040204" pitchFamily="34" charset="0"/>
-              </a:rPr>
-              <a:t>https://github.com/shankar-ray/Assembly-Language-Tutorials-for-Windows/tree/master/03%20Assembly%20Language</a:t>
-            </a:r>
-          </a:p>
-        </p:txBody>
-      </p:sp>
+            <a:pPr algn="l"/>
+            <a:endParaRPr lang="en-US" sz="1400" dirty="0">
+              <a:solidFill>
+                <a:schemeClr val="tx2"/>
+              </a:solidFill>
+              <a:latin typeface="Tahoma" panose="020B0604030504040204" pitchFamily="34" charset="0"/>
+              <a:ea typeface="Tahoma" panose="020B0604030504040204" pitchFamily="34" charset="0"/>
+              <a:cs typeface="Tahoma" panose="020B0604030504040204" pitchFamily="34" charset="0"/>
+            </a:endParaRPr>
+          </a:p>
+        </p:txBody>
+      </p:sp>
+      <p:pic>
+        <p:nvPicPr>
+          <p:cNvPr id="5" name="Picture 4">
+            <a:extLst>
+              <a:ext uri="{FF2B5EF4-FFF2-40B4-BE49-F238E27FC236}">
+                <a16:creationId xmlns:a16="http://schemas.microsoft.com/office/drawing/2014/main" id="{45C52ABB-D551-4FE9-A71E-F1EDFB243FC4}"/>
+              </a:ext>
+            </a:extLst>
+          </p:cNvPr>
+          <p:cNvPicPr>
+            <a:picLocks noChangeAspect="1"/>
+          </p:cNvPicPr>
+          <p:nvPr/>
+        </p:nvPicPr>
+        <p:blipFill>
+          <a:blip r:embed="rId2">
+            <a:extLst>
+              <a:ext uri="{28A0092B-C50C-407E-A947-70E740481C1C}">
+                <a14:useLocalDpi xmlns:a14="http://schemas.microsoft.com/office/drawing/2010/main" val="0"/>
+              </a:ext>
+            </a:extLst>
+          </a:blip>
+          <a:stretch>
+            <a:fillRect/>
+          </a:stretch>
+        </p:blipFill>
+        <p:spPr>
+          <a:xfrm>
+            <a:off x="8523027" y="1816290"/>
+            <a:ext cx="304800" cy="304800"/>
+          </a:xfrm>
+          <a:prstGeom prst="rect">
+            <a:avLst/>
+          </a:prstGeom>
+        </p:spPr>
+      </p:pic>
+      <p:pic>
+        <p:nvPicPr>
+          <p:cNvPr id="7" name="Picture 6">
+            <a:extLst>
+              <a:ext uri="{FF2B5EF4-FFF2-40B4-BE49-F238E27FC236}">
+                <a16:creationId xmlns:a16="http://schemas.microsoft.com/office/drawing/2014/main" id="{77CF1F6D-DCC0-4E9A-A06F-5C5B6BC37E01}"/>
+              </a:ext>
+            </a:extLst>
+          </p:cNvPr>
+          <p:cNvPicPr>
+            <a:picLocks noChangeAspect="1"/>
+          </p:cNvPicPr>
+          <p:nvPr/>
+        </p:nvPicPr>
+        <p:blipFill>
+          <a:blip r:embed="rId3">
+            <a:extLst>
+              <a:ext uri="{28A0092B-C50C-407E-A947-70E740481C1C}">
+                <a14:useLocalDpi xmlns:a14="http://schemas.microsoft.com/office/drawing/2010/main" val="0"/>
+              </a:ext>
+            </a:extLst>
+          </a:blip>
+          <a:stretch>
+            <a:fillRect/>
+          </a:stretch>
+        </p:blipFill>
+        <p:spPr>
+          <a:xfrm>
+            <a:off x="8523027" y="2921758"/>
+            <a:ext cx="304800" cy="304800"/>
+          </a:xfrm>
+          <a:prstGeom prst="rect">
+            <a:avLst/>
+          </a:prstGeom>
+        </p:spPr>
+      </p:pic>
     </p:spTree>
     <p:extLst>
       <p:ext uri="{BB962C8B-B14F-4D97-AF65-F5344CB8AC3E}">
-        <p14:creationId xmlns:p14="http://schemas.microsoft.com/office/powerpoint/2010/main" val="865016956"/>
+        <p14:creationId xmlns:p14="http://schemas.microsoft.com/office/powerpoint/2010/main" val="3011430087"/>
       </p:ext>
     </p:extLst>
   </p:cSld>

--- a/04 Data Transfers/Data Transfers - Part 2.pptx
+++ b/04 Data Transfers/Data Transfers - Part 2.pptx
@@ -208,7 +208,7 @@
           <a:p>
             <a:fld id="{E8DC62A2-CA51-4DE6-9EB4-2B31184897F4}" type="datetimeFigureOut">
               <a:rPr lang="en-US" smtClean="0"/>
-              <a:t>3/25/2018</a:t>
+              <a:t>3/26/2018</a:t>
             </a:fld>
             <a:endParaRPr lang="en-US"/>
           </a:p>
@@ -701,7 +701,7 @@
           <a:p>
             <a:fld id="{C619A8D2-2616-4635-9C0D-88FB85C3F02D}" type="datetimeFigureOut">
               <a:rPr lang="en-US" smtClean="0"/>
-              <a:t>3/25/2018</a:t>
+              <a:t>3/26/2018</a:t>
             </a:fld>
             <a:endParaRPr lang="en-US"/>
           </a:p>
@@ -909,7 +909,7 @@
           <a:p>
             <a:fld id="{C619A8D2-2616-4635-9C0D-88FB85C3F02D}" type="datetimeFigureOut">
               <a:rPr lang="en-US" smtClean="0"/>
-              <a:t>3/25/2018</a:t>
+              <a:t>3/26/2018</a:t>
             </a:fld>
             <a:endParaRPr lang="en-US"/>
           </a:p>
@@ -1165,7 +1165,7 @@
           <a:p>
             <a:fld id="{C619A8D2-2616-4635-9C0D-88FB85C3F02D}" type="datetimeFigureOut">
               <a:rPr lang="en-US" smtClean="0"/>
-              <a:t>3/25/2018</a:t>
+              <a:t>3/26/2018</a:t>
             </a:fld>
             <a:endParaRPr lang="en-US"/>
           </a:p>
@@ -1339,7 +1339,7 @@
           <a:p>
             <a:fld id="{C619A8D2-2616-4635-9C0D-88FB85C3F02D}" type="datetimeFigureOut">
               <a:rPr lang="en-US" smtClean="0"/>
-              <a:t>3/25/2018</a:t>
+              <a:t>3/26/2018</a:t>
             </a:fld>
             <a:endParaRPr lang="en-US"/>
           </a:p>
@@ -1682,7 +1682,7 @@
           <a:p>
             <a:fld id="{C619A8D2-2616-4635-9C0D-88FB85C3F02D}" type="datetimeFigureOut">
               <a:rPr lang="en-US" smtClean="0"/>
-              <a:t>3/25/2018</a:t>
+              <a:t>3/26/2018</a:t>
             </a:fld>
             <a:endParaRPr lang="en-US"/>
           </a:p>
@@ -1957,7 +1957,7 @@
           <a:p>
             <a:fld id="{C619A8D2-2616-4635-9C0D-88FB85C3F02D}" type="datetimeFigureOut">
               <a:rPr lang="en-US" smtClean="0"/>
-              <a:t>3/25/2018</a:t>
+              <a:t>3/26/2018</a:t>
             </a:fld>
             <a:endParaRPr lang="en-US"/>
           </a:p>
@@ -2341,7 +2341,7 @@
           <a:p>
             <a:fld id="{C619A8D2-2616-4635-9C0D-88FB85C3F02D}" type="datetimeFigureOut">
               <a:rPr lang="en-US" smtClean="0"/>
-              <a:t>3/25/2018</a:t>
+              <a:t>3/26/2018</a:t>
             </a:fld>
             <a:endParaRPr lang="en-US"/>
           </a:p>
@@ -2464,7 +2464,7 @@
           <a:p>
             <a:fld id="{C619A8D2-2616-4635-9C0D-88FB85C3F02D}" type="datetimeFigureOut">
               <a:rPr lang="en-US" smtClean="0"/>
-              <a:t>3/25/2018</a:t>
+              <a:t>3/26/2018</a:t>
             </a:fld>
             <a:endParaRPr lang="en-US"/>
           </a:p>
@@ -2635,7 +2635,7 @@
           <a:p>
             <a:fld id="{C619A8D2-2616-4635-9C0D-88FB85C3F02D}" type="datetimeFigureOut">
               <a:rPr lang="en-US" smtClean="0"/>
-              <a:t>3/25/2018</a:t>
+              <a:t>3/26/2018</a:t>
             </a:fld>
             <a:endParaRPr lang="en-US"/>
           </a:p>
@@ -2989,7 +2989,7 @@
           <a:p>
             <a:fld id="{C619A8D2-2616-4635-9C0D-88FB85C3F02D}" type="datetimeFigureOut">
               <a:rPr lang="en-US" smtClean="0"/>
-              <a:t>3/25/2018</a:t>
+              <a:t>3/26/2018</a:t>
             </a:fld>
             <a:endParaRPr lang="en-US"/>
           </a:p>
@@ -3376,7 +3376,7 @@
           <a:p>
             <a:fld id="{C619A8D2-2616-4635-9C0D-88FB85C3F02D}" type="datetimeFigureOut">
               <a:rPr lang="en-US" smtClean="0"/>
-              <a:t>3/25/2018</a:t>
+              <a:t>3/26/2018</a:t>
             </a:fld>
             <a:endParaRPr lang="en-US"/>
           </a:p>
@@ -3663,7 +3663,7 @@
           <a:p>
             <a:fld id="{C619A8D2-2616-4635-9C0D-88FB85C3F02D}" type="datetimeFigureOut">
               <a:rPr lang="en-US" smtClean="0"/>
-              <a:t>3/25/2018</a:t>
+              <a:t>3/26/2018</a:t>
             </a:fld>
             <a:endParaRPr lang="en-US"/>
           </a:p>
@@ -4451,14 +4451,11 @@
               <a:buFont typeface="Arial" panose="020B0604020202020204" pitchFamily="34" charset="0"/>
               <a:buChar char="•"/>
             </a:pPr>
-            <a:r>
-              <a:rPr lang="en-US" dirty="0">
-                <a:latin typeface="Tahoma" panose="020B0604030504040204" pitchFamily="34" charset="0"/>
-                <a:ea typeface="Tahoma" panose="020B0604030504040204" pitchFamily="34" charset="0"/>
-                <a:cs typeface="Tahoma" panose="020B0604030504040204" pitchFamily="34" charset="0"/>
-              </a:rPr>
-              <a:t>MOV ESI, OFFSET MYARR</a:t>
-            </a:r>
+            <a:endParaRPr lang="en-US" dirty="0">
+              <a:latin typeface="Tahoma" panose="020B0604030504040204" pitchFamily="34" charset="0"/>
+              <a:ea typeface="Tahoma" panose="020B0604030504040204" pitchFamily="34" charset="0"/>
+              <a:cs typeface="Tahoma" panose="020B0604030504040204" pitchFamily="34" charset="0"/>
+            </a:endParaRPr>
           </a:p>
           <a:p>
             <a:pPr marL="932688" lvl="2" indent="-457200">
@@ -4471,6 +4468,20 @@
                 <a:ea typeface="Tahoma" panose="020B0604030504040204" pitchFamily="34" charset="0"/>
                 <a:cs typeface="Tahoma" panose="020B0604030504040204" pitchFamily="34" charset="0"/>
               </a:rPr>
+              <a:t>MOV ESI, OFFSET MYARR</a:t>
+            </a:r>
+          </a:p>
+          <a:p>
+            <a:pPr marL="932688" lvl="2" indent="-457200">
+              <a:buFont typeface="Arial" panose="020B0604020202020204" pitchFamily="34" charset="0"/>
+              <a:buChar char="•"/>
+            </a:pPr>
+            <a:r>
+              <a:rPr lang="en-US" dirty="0">
+                <a:latin typeface="Tahoma" panose="020B0604030504040204" pitchFamily="34" charset="0"/>
+                <a:ea typeface="Tahoma" panose="020B0604030504040204" pitchFamily="34" charset="0"/>
+                <a:cs typeface="Tahoma" panose="020B0604030504040204" pitchFamily="34" charset="0"/>
+              </a:rPr>
               <a:t>MOV EAX, </a:t>
             </a:r>
             <a:r>
@@ -4558,6 +4569,152 @@
               </a:rPr>
               <a:t>		//EAX=30</a:t>
             </a:r>
+          </a:p>
+          <a:p>
+            <a:pPr marL="932688" lvl="2" indent="-457200">
+              <a:buFont typeface="Arial" panose="020B0604020202020204" pitchFamily="34" charset="0"/>
+              <a:buChar char="•"/>
+            </a:pPr>
+            <a:endParaRPr lang="en-US" dirty="0">
+              <a:latin typeface="Tahoma" panose="020B0604030504040204" pitchFamily="34" charset="0"/>
+              <a:ea typeface="Tahoma" panose="020B0604030504040204" pitchFamily="34" charset="0"/>
+              <a:cs typeface="Tahoma" panose="020B0604030504040204" pitchFamily="34" charset="0"/>
+            </a:endParaRPr>
+          </a:p>
+          <a:p>
+            <a:pPr marL="932688" lvl="2" indent="-457200">
+              <a:buFont typeface="Arial" panose="020B0604020202020204" pitchFamily="34" charset="0"/>
+              <a:buChar char="•"/>
+            </a:pPr>
+            <a:r>
+              <a:rPr lang="en-US" dirty="0">
+                <a:latin typeface="Tahoma" panose="020B0604030504040204" pitchFamily="34" charset="0"/>
+                <a:ea typeface="Tahoma" panose="020B0604030504040204" pitchFamily="34" charset="0"/>
+                <a:cs typeface="Tahoma" panose="020B0604030504040204" pitchFamily="34" charset="0"/>
+              </a:rPr>
+              <a:t>OR</a:t>
+            </a:r>
+          </a:p>
+          <a:p>
+            <a:pPr marL="932688" lvl="2" indent="-457200">
+              <a:buFont typeface="Arial" panose="020B0604020202020204" pitchFamily="34" charset="0"/>
+              <a:buChar char="•"/>
+            </a:pPr>
+            <a:endParaRPr lang="en-US" dirty="0">
+              <a:latin typeface="Tahoma" panose="020B0604030504040204" pitchFamily="34" charset="0"/>
+              <a:ea typeface="Tahoma" panose="020B0604030504040204" pitchFamily="34" charset="0"/>
+              <a:cs typeface="Tahoma" panose="020B0604030504040204" pitchFamily="34" charset="0"/>
+            </a:endParaRPr>
+          </a:p>
+          <a:p>
+            <a:pPr marL="932688" lvl="2" indent="-457200">
+              <a:buFont typeface="Arial" panose="020B0604020202020204" pitchFamily="34" charset="0"/>
+              <a:buChar char="•"/>
+            </a:pPr>
+            <a:r>
+              <a:rPr lang="en-US" dirty="0">
+                <a:latin typeface="Tahoma" panose="020B0604030504040204" pitchFamily="34" charset="0"/>
+                <a:ea typeface="Tahoma" panose="020B0604030504040204" pitchFamily="34" charset="0"/>
+                <a:cs typeface="Tahoma" panose="020B0604030504040204" pitchFamily="34" charset="0"/>
+              </a:rPr>
+              <a:t>MOV EAX, MYARR</a:t>
+            </a:r>
+            <a:r>
+              <a:rPr lang="en-US" dirty="0">
+                <a:solidFill>
+                  <a:srgbClr val="0070C0"/>
+                </a:solidFill>
+                <a:latin typeface="Tahoma" panose="020B0604030504040204" pitchFamily="34" charset="0"/>
+                <a:ea typeface="Tahoma" panose="020B0604030504040204" pitchFamily="34" charset="0"/>
+                <a:cs typeface="Tahoma" panose="020B0604030504040204" pitchFamily="34" charset="0"/>
+              </a:rPr>
+              <a:t>[ESI]</a:t>
+            </a:r>
+            <a:r>
+              <a:rPr lang="en-US" dirty="0">
+                <a:latin typeface="Tahoma" panose="020B0604030504040204" pitchFamily="34" charset="0"/>
+                <a:ea typeface="Tahoma" panose="020B0604030504040204" pitchFamily="34" charset="0"/>
+                <a:cs typeface="Tahoma" panose="020B0604030504040204" pitchFamily="34" charset="0"/>
+              </a:rPr>
+              <a:t>		//[ESI] DEREFERENCING ADDRESS STORED IN ESI, EAX = 10</a:t>
+            </a:r>
+          </a:p>
+          <a:p>
+            <a:pPr marL="932688" lvl="2" indent="-457200">
+              <a:buFont typeface="Arial" panose="020B0604020202020204" pitchFamily="34" charset="0"/>
+              <a:buChar char="•"/>
+            </a:pPr>
+            <a:r>
+              <a:rPr lang="en-US" dirty="0">
+                <a:latin typeface="Tahoma" panose="020B0604030504040204" pitchFamily="34" charset="0"/>
+                <a:ea typeface="Tahoma" panose="020B0604030504040204" pitchFamily="34" charset="0"/>
+                <a:cs typeface="Tahoma" panose="020B0604030504040204" pitchFamily="34" charset="0"/>
+              </a:rPr>
+              <a:t>MOV EAX, MYARR</a:t>
+            </a:r>
+            <a:r>
+              <a:rPr lang="en-US" dirty="0">
+                <a:solidFill>
+                  <a:srgbClr val="0070C0"/>
+                </a:solidFill>
+                <a:latin typeface="Tahoma" panose="020B0604030504040204" pitchFamily="34" charset="0"/>
+                <a:ea typeface="Tahoma" panose="020B0604030504040204" pitchFamily="34" charset="0"/>
+                <a:cs typeface="Tahoma" panose="020B0604030504040204" pitchFamily="34" charset="0"/>
+              </a:rPr>
+              <a:t>[ESI+4]</a:t>
+            </a:r>
+            <a:r>
+              <a:rPr lang="en-US" dirty="0">
+                <a:latin typeface="Tahoma" panose="020B0604030504040204" pitchFamily="34" charset="0"/>
+                <a:ea typeface="Tahoma" panose="020B0604030504040204" pitchFamily="34" charset="0"/>
+                <a:cs typeface="Tahoma" panose="020B0604030504040204" pitchFamily="34" charset="0"/>
+              </a:rPr>
+              <a:t>	//DWORD IS 4-BYTES EAX = 20</a:t>
+            </a:r>
+          </a:p>
+          <a:p>
+            <a:pPr marL="932688" lvl="2" indent="-457200">
+              <a:buFont typeface="Arial" panose="020B0604020202020204" pitchFamily="34" charset="0"/>
+              <a:buChar char="•"/>
+            </a:pPr>
+            <a:r>
+              <a:rPr lang="en-US" dirty="0">
+                <a:latin typeface="Tahoma" panose="020B0604030504040204" pitchFamily="34" charset="0"/>
+                <a:ea typeface="Tahoma" panose="020B0604030504040204" pitchFamily="34" charset="0"/>
+                <a:cs typeface="Tahoma" panose="020B0604030504040204" pitchFamily="34" charset="0"/>
+              </a:rPr>
+              <a:t>MOV EAX, MYARR</a:t>
+            </a:r>
+            <a:r>
+              <a:rPr lang="en-US" dirty="0">
+                <a:solidFill>
+                  <a:srgbClr val="0070C0"/>
+                </a:solidFill>
+                <a:latin typeface="Tahoma" panose="020B0604030504040204" pitchFamily="34" charset="0"/>
+                <a:ea typeface="Tahoma" panose="020B0604030504040204" pitchFamily="34" charset="0"/>
+                <a:cs typeface="Tahoma" panose="020B0604030504040204" pitchFamily="34" charset="0"/>
+              </a:rPr>
+              <a:t>[ESI+8]</a:t>
+            </a:r>
+            <a:r>
+              <a:rPr lang="en-US" dirty="0">
+                <a:latin typeface="Tahoma" panose="020B0604030504040204" pitchFamily="34" charset="0"/>
+                <a:ea typeface="Tahoma" panose="020B0604030504040204" pitchFamily="34" charset="0"/>
+                <a:cs typeface="Tahoma" panose="020B0604030504040204" pitchFamily="34" charset="0"/>
+              </a:rPr>
+              <a:t>	//EAX=30</a:t>
+            </a:r>
+          </a:p>
+          <a:p>
+            <a:pPr marL="932688" lvl="2" indent="-457200">
+              <a:buFont typeface="Arial" panose="020B0604020202020204" pitchFamily="34" charset="0"/>
+              <a:buChar char="•"/>
+            </a:pPr>
+            <a:endParaRPr lang="en-US" dirty="0">
+              <a:latin typeface="Tahoma" panose="020B0604030504040204" pitchFamily="34" charset="0"/>
+              <a:ea typeface="Tahoma" panose="020B0604030504040204" pitchFamily="34" charset="0"/>
+              <a:cs typeface="Tahoma" panose="020B0604030504040204" pitchFamily="34" charset="0"/>
+            </a:endParaRPr>
           </a:p>
           <a:p>
             <a:pPr marL="457200" indent="-457200" algn="l">
@@ -4974,7 +5131,7 @@
                 <a:ea typeface="Tahoma" panose="020B0604030504040204" pitchFamily="34" charset="0"/>
                 <a:cs typeface="Tahoma" panose="020B0604030504040204" pitchFamily="34" charset="0"/>
               </a:rPr>
-              <a:t>Even-odd</a:t>
+              <a:t>Data Transfers 2</a:t>
             </a:r>
           </a:p>
           <a:p>
@@ -4989,7 +5146,7 @@
           </a:p>
           <a:p>
             <a:r>
-              <a:rPr lang="en-US" sz="1600" dirty="0">
+              <a:rPr lang="en-US" sz="1600">
                 <a:solidFill>
                   <a:schemeClr val="tx2"/>
                 </a:solidFill>
@@ -4997,8 +5154,16 @@
                 <a:ea typeface="Tahoma" panose="020B0604030504040204" pitchFamily="34" charset="0"/>
                 <a:cs typeface="Tahoma" panose="020B0604030504040204" pitchFamily="34" charset="0"/>
               </a:rPr>
-              <a:t>https://github.com/shankar-ray/Assembly-Language-Tutorials-for-Windows/tree/master/03%20Assembly%20Language</a:t>
-            </a:r>
+              <a:t>https://github.com/shankar-ray/Assembly-Language-Tutorials-for-Windows</a:t>
+            </a:r>
+            <a:endParaRPr lang="en-US" sz="1600" dirty="0">
+              <a:solidFill>
+                <a:schemeClr val="tx2"/>
+              </a:solidFill>
+              <a:latin typeface="Tahoma" panose="020B0604030504040204" pitchFamily="34" charset="0"/>
+              <a:ea typeface="Tahoma" panose="020B0604030504040204" pitchFamily="34" charset="0"/>
+              <a:cs typeface="Tahoma" panose="020B0604030504040204" pitchFamily="34" charset="0"/>
+            </a:endParaRPr>
           </a:p>
         </p:txBody>
       </p:sp>

--- a/04 Data Transfers/Data Transfers - Part 2.pptx
+++ b/04 Data Transfers/Data Transfers - Part 2.pptx
@@ -5396,17 +5396,6 @@
             </a:r>
           </a:p>
           <a:p>
-            <a:pPr marL="914400" lvl="1" indent="-457200">
-              <a:buFont typeface="Arial" panose="020B0604020202020204" pitchFamily="34" charset="0"/>
-              <a:buChar char="•"/>
-            </a:pPr>
-            <a:endParaRPr lang="en-US" sz="1400" dirty="0">
-              <a:latin typeface="Tahoma" panose="020B0604030504040204" pitchFamily="34" charset="0"/>
-              <a:ea typeface="Tahoma" panose="020B0604030504040204" pitchFamily="34" charset="0"/>
-              <a:cs typeface="Tahoma" panose="020B0604030504040204" pitchFamily="34" charset="0"/>
-            </a:endParaRPr>
-          </a:p>
-          <a:p>
             <a:pPr marL="457200" indent="-457200" algn="l">
               <a:buFont typeface="Arial" panose="020B0604020202020204" pitchFamily="34" charset="0"/>
               <a:buChar char="•"/>
@@ -6759,12 +6748,6 @@
               </a:rPr>
               <a:t>)</a:t>
             </a:r>
-          </a:p>
-          <a:p>
-            <a:pPr marL="457200" indent="-457200" algn="l">
-              <a:buFont typeface="Arial" panose="020B0604020202020204" pitchFamily="34" charset="0"/>
-              <a:buChar char="•"/>
-            </a:pPr>
             <a:endParaRPr lang="en-US" sz="1400" dirty="0">
               <a:solidFill>
                 <a:schemeClr val="tx2"/>
